--- a/docs/ABS.pptx
+++ b/docs/ABS.pptx
@@ -107,6 +107,11 @@
       </a:defRPr>
     </a:lvl9pPr>
   </p:defaultTextStyle>
+  <p:extLst>
+    <p:ext uri="{EFAFB233-063F-42B5-8137-9DF3F51BA10A}">
+      <p15:sldGuideLst xmlns:p15="http://schemas.microsoft.com/office/powerpoint/2012/main"/>
+    </p:ext>
+  </p:extLst>
 </p:presentation>
 </file>
 
@@ -299,7 +304,7 @@
             <a:fld id="{B61BEF0D-F0BB-DE4B-95CE-6DB70DBA9567}" type="datetimeFigureOut">
               <a:rPr lang="en-US" dirty="0"/>
               <a:pPr/>
-              <a:t>1/14/2018</a:t>
+              <a:t>1/20/2018</a:t>
             </a:fld>
             <a:endParaRPr lang="en-US" dirty="0"/>
           </a:p>
@@ -634,7 +639,7 @@
             <a:fld id="{B61BEF0D-F0BB-DE4B-95CE-6DB70DBA9567}" type="datetimeFigureOut">
               <a:rPr lang="en-US" dirty="0"/>
               <a:pPr/>
-              <a:t>1/14/2018</a:t>
+              <a:t>1/20/2018</a:t>
             </a:fld>
             <a:endParaRPr lang="en-US" dirty="0"/>
           </a:p>
@@ -1032,7 +1037,7 @@
             <a:fld id="{B61BEF0D-F0BB-DE4B-95CE-6DB70DBA9567}" type="datetimeFigureOut">
               <a:rPr lang="en-US" dirty="0"/>
               <a:pPr/>
-              <a:t>1/14/2018</a:t>
+              <a:t>1/20/2018</a:t>
             </a:fld>
             <a:endParaRPr lang="en-US" dirty="0"/>
           </a:p>
@@ -1365,7 +1370,7 @@
             <a:fld id="{B61BEF0D-F0BB-DE4B-95CE-6DB70DBA9567}" type="datetimeFigureOut">
               <a:rPr lang="en-US" dirty="0"/>
               <a:pPr/>
-              <a:t>1/14/2018</a:t>
+              <a:t>1/20/2018</a:t>
             </a:fld>
             <a:endParaRPr lang="en-US" dirty="0"/>
           </a:p>
@@ -1682,7 +1687,7 @@
             <a:fld id="{B61BEF0D-F0BB-DE4B-95CE-6DB70DBA9567}" type="datetimeFigureOut">
               <a:rPr lang="en-US" dirty="0"/>
               <a:pPr/>
-              <a:t>1/14/2018</a:t>
+              <a:t>1/20/2018</a:t>
             </a:fld>
             <a:endParaRPr lang="en-US" dirty="0"/>
           </a:p>
@@ -2075,7 +2080,7 @@
             <a:fld id="{B61BEF0D-F0BB-DE4B-95CE-6DB70DBA9567}" type="datetimeFigureOut">
               <a:rPr lang="en-US" dirty="0"/>
               <a:pPr/>
-              <a:t>1/14/2018</a:t>
+              <a:t>1/20/2018</a:t>
             </a:fld>
             <a:endParaRPr lang="en-US" dirty="0"/>
           </a:p>
@@ -2329,7 +2334,7 @@
             <a:fld id="{B61BEF0D-F0BB-DE4B-95CE-6DB70DBA9567}" type="datetimeFigureOut">
               <a:rPr lang="en-US" dirty="0"/>
               <a:pPr/>
-              <a:t>1/14/2018</a:t>
+              <a:t>1/20/2018</a:t>
             </a:fld>
             <a:endParaRPr lang="en-US" dirty="0"/>
           </a:p>
@@ -2588,7 +2593,7 @@
             <a:fld id="{B61BEF0D-F0BB-DE4B-95CE-6DB70DBA9567}" type="datetimeFigureOut">
               <a:rPr lang="en-US" dirty="0"/>
               <a:pPr/>
-              <a:t>1/14/2018</a:t>
+              <a:t>1/20/2018</a:t>
             </a:fld>
             <a:endParaRPr lang="en-US" dirty="0"/>
           </a:p>
@@ -2847,7 +2852,7 @@
             <a:fld id="{B61BEF0D-F0BB-DE4B-95CE-6DB70DBA9567}" type="datetimeFigureOut">
               <a:rPr lang="en-US" dirty="0"/>
               <a:pPr/>
-              <a:t>1/14/2018</a:t>
+              <a:t>1/20/2018</a:t>
             </a:fld>
             <a:endParaRPr lang="en-US" dirty="0"/>
           </a:p>
@@ -3173,7 +3178,7 @@
             <a:fld id="{B61BEF0D-F0BB-DE4B-95CE-6DB70DBA9567}" type="datetimeFigureOut">
               <a:rPr lang="en-US" dirty="0"/>
               <a:pPr/>
-              <a:t>1/14/2018</a:t>
+              <a:t>1/20/2018</a:t>
             </a:fld>
             <a:endParaRPr lang="en-US" dirty="0"/>
           </a:p>
@@ -3493,7 +3498,7 @@
             <a:fld id="{B61BEF0D-F0BB-DE4B-95CE-6DB70DBA9567}" type="datetimeFigureOut">
               <a:rPr lang="en-US" dirty="0"/>
               <a:pPr/>
-              <a:t>1/14/2018</a:t>
+              <a:t>1/20/2018</a:t>
             </a:fld>
             <a:endParaRPr lang="en-US" dirty="0"/>
           </a:p>
@@ -3947,7 +3952,7 @@
             <a:fld id="{B61BEF0D-F0BB-DE4B-95CE-6DB70DBA9567}" type="datetimeFigureOut">
               <a:rPr lang="en-US" dirty="0"/>
               <a:pPr/>
-              <a:t>1/14/2018</a:t>
+              <a:t>1/20/2018</a:t>
             </a:fld>
             <a:endParaRPr lang="en-US" dirty="0"/>
           </a:p>
@@ -4149,7 +4154,7 @@
             <a:fld id="{B61BEF0D-F0BB-DE4B-95CE-6DB70DBA9567}" type="datetimeFigureOut">
               <a:rPr lang="en-US" dirty="0"/>
               <a:pPr/>
-              <a:t>1/14/2018</a:t>
+              <a:t>1/20/2018</a:t>
             </a:fld>
             <a:endParaRPr lang="en-US" dirty="0"/>
           </a:p>
@@ -4323,7 +4328,7 @@
             <a:fld id="{B61BEF0D-F0BB-DE4B-95CE-6DB70DBA9567}" type="datetimeFigureOut">
               <a:rPr lang="en-US" dirty="0"/>
               <a:pPr/>
-              <a:t>1/14/2018</a:t>
+              <a:t>1/20/2018</a:t>
             </a:fld>
             <a:endParaRPr lang="en-US" dirty="0"/>
           </a:p>
@@ -4653,7 +4658,7 @@
             <a:fld id="{B61BEF0D-F0BB-DE4B-95CE-6DB70DBA9567}" type="datetimeFigureOut">
               <a:rPr lang="en-US" dirty="0"/>
               <a:pPr/>
-              <a:t>1/14/2018</a:t>
+              <a:t>1/20/2018</a:t>
             </a:fld>
             <a:endParaRPr lang="en-US" dirty="0"/>
           </a:p>
@@ -4995,7 +5000,7 @@
             <a:fld id="{B61BEF0D-F0BB-DE4B-95CE-6DB70DBA9567}" type="datetimeFigureOut">
               <a:rPr lang="en-US" dirty="0"/>
               <a:pPr/>
-              <a:t>1/14/2018</a:t>
+              <a:t>1/20/2018</a:t>
             </a:fld>
             <a:endParaRPr lang="en-US" dirty="0"/>
           </a:p>
@@ -7109,7 +7114,7 @@
             <a:fld id="{B61BEF0D-F0BB-DE4B-95CE-6DB70DBA9567}" type="datetimeFigureOut">
               <a:rPr lang="en-US" dirty="0"/>
               <a:pPr/>
-              <a:t>1/14/2018</a:t>
+              <a:t>1/20/2018</a:t>
             </a:fld>
             <a:endParaRPr lang="en-US" dirty="0"/>
           </a:p>
@@ -7678,6 +7683,13 @@
   <p:clrMapOvr>
     <a:masterClrMapping/>
   </p:clrMapOvr>
+  <p:timing>
+    <p:tnLst>
+      <p:par>
+        <p:cTn id="1" dur="indefinite" restart="never" nodeType="tmRoot"/>
+      </p:par>
+    </p:tnLst>
+  </p:timing>
 </p:sld>
 </file>
 
@@ -8160,6 +8172,13 @@
   <p:clrMapOvr>
     <a:masterClrMapping/>
   </p:clrMapOvr>
+  <p:timing>
+    <p:tnLst>
+      <p:par>
+        <p:cTn id="1" dur="indefinite" restart="never" nodeType="tmRoot"/>
+      </p:par>
+    </p:tnLst>
+  </p:timing>
 </p:sld>
 </file>
 
@@ -8192,7 +8211,7 @@
         </p:nvSpPr>
         <p:spPr>
           <a:xfrm>
-            <a:off x="2592925" y="624110"/>
+            <a:off x="1762076" y="595975"/>
             <a:ext cx="8911687" cy="689535"/>
           </a:xfrm>
         </p:spPr>
@@ -8202,7 +8221,7 @@
           <a:p>
             <a:r>
               <a:rPr lang="en-US" dirty="0" smtClean="0"/>
-              <a:t>Technical Diagram</a:t>
+              <a:t>Database</a:t>
             </a:r>
             <a:endParaRPr lang="en-GB" dirty="0"/>
           </a:p>
@@ -8210,29 +8229,627 @@
       </p:sp>
       <p:sp>
         <p:nvSpPr>
-          <p:cNvPr id="3" name="Content Placeholder 2"/>
-          <p:cNvSpPr>
-            <a:spLocks noGrp="1"/>
-          </p:cNvSpPr>
-          <p:nvPr>
-            <p:ph idx="1"/>
-          </p:nvPr>
+          <p:cNvPr id="7" name="Rectangle 6"/>
+          <p:cNvSpPr/>
+          <p:nvPr/>
         </p:nvSpPr>
         <p:spPr>
           <a:xfrm>
-            <a:off x="2589212" y="1313645"/>
-            <a:ext cx="8915400" cy="4597577"/>
-          </a:xfrm>
-        </p:spPr>
-        <p:txBody>
-          <a:bodyPr/>
+            <a:off x="1790212" y="1285510"/>
+            <a:ext cx="1543831" cy="2780054"/>
+          </a:xfrm>
+          <a:prstGeom prst="rect">
+            <a:avLst/>
+          </a:prstGeom>
+        </p:spPr>
+        <p:style>
+          <a:lnRef idx="2">
+            <a:schemeClr val="accent1">
+              <a:shade val="50000"/>
+            </a:schemeClr>
+          </a:lnRef>
+          <a:fillRef idx="1">
+            <a:schemeClr val="accent1"/>
+          </a:fillRef>
+          <a:effectRef idx="0">
+            <a:schemeClr val="accent1"/>
+          </a:effectRef>
+          <a:fontRef idx="minor">
+            <a:schemeClr val="lt1"/>
+          </a:fontRef>
+        </p:style>
+        <p:txBody>
+          <a:bodyPr rtlCol="0" anchor="ctr"/>
           <a:lstStyle/>
           <a:p>
             <a:r>
-              <a:rPr lang="en-US" dirty="0" smtClean="0"/>
-              <a:t>In Progress</a:t>
-            </a:r>
-            <a:endParaRPr lang="en-GB" dirty="0"/>
+              <a:rPr lang="en-GB" sz="1600" dirty="0" err="1"/>
+              <a:t>PatientID</a:t>
+            </a:r>
+            <a:endParaRPr lang="en-GB" sz="1600" dirty="0"/>
+          </a:p>
+          <a:p>
+            <a:r>
+              <a:rPr lang="en-GB" sz="1600" dirty="0" err="1"/>
+              <a:t>PatientName</a:t>
+            </a:r>
+            <a:endParaRPr lang="en-GB" sz="1600" dirty="0"/>
+          </a:p>
+          <a:p>
+            <a:r>
+              <a:rPr lang="en-GB" sz="1600" dirty="0" err="1"/>
+              <a:t>Emaill</a:t>
+            </a:r>
+            <a:endParaRPr lang="en-GB" sz="1600" dirty="0"/>
+          </a:p>
+          <a:p>
+            <a:r>
+              <a:rPr lang="en-GB" sz="1600" dirty="0"/>
+              <a:t>Mobile </a:t>
+            </a:r>
+          </a:p>
+          <a:p>
+            <a:r>
+              <a:rPr lang="en-GB" sz="1600" dirty="0"/>
+              <a:t>DOB</a:t>
+            </a:r>
+          </a:p>
+          <a:p>
+            <a:r>
+              <a:rPr lang="en-GB" sz="1600" dirty="0"/>
+              <a:t>Gender </a:t>
+            </a:r>
+          </a:p>
+          <a:p>
+            <a:r>
+              <a:rPr lang="en-GB" sz="1600" dirty="0"/>
+              <a:t>Nationality</a:t>
+            </a:r>
+          </a:p>
+          <a:p>
+            <a:r>
+              <a:rPr lang="en-GB" sz="1600" dirty="0"/>
+              <a:t>Address</a:t>
+            </a:r>
+          </a:p>
+          <a:p>
+            <a:r>
+              <a:rPr lang="en-GB" sz="1600" dirty="0"/>
+              <a:t>Pin</a:t>
+            </a:r>
+          </a:p>
+          <a:p>
+            <a:r>
+              <a:rPr lang="en-GB" sz="1600" dirty="0" err="1"/>
+              <a:t>DateOfUpdation</a:t>
+            </a:r>
+            <a:endParaRPr lang="en-GB" sz="1600" dirty="0"/>
+          </a:p>
+        </p:txBody>
+      </p:sp>
+      <p:sp>
+        <p:nvSpPr>
+          <p:cNvPr id="8" name="Rectangle 7"/>
+          <p:cNvSpPr/>
+          <p:nvPr/>
+        </p:nvSpPr>
+        <p:spPr>
+          <a:xfrm>
+            <a:off x="3727938" y="1285509"/>
+            <a:ext cx="2057501" cy="4347907"/>
+          </a:xfrm>
+          <a:prstGeom prst="rect">
+            <a:avLst/>
+          </a:prstGeom>
+        </p:spPr>
+        <p:style>
+          <a:lnRef idx="2">
+            <a:schemeClr val="accent1">
+              <a:shade val="50000"/>
+            </a:schemeClr>
+          </a:lnRef>
+          <a:fillRef idx="1">
+            <a:schemeClr val="accent1"/>
+          </a:fillRef>
+          <a:effectRef idx="0">
+            <a:schemeClr val="accent1"/>
+          </a:effectRef>
+          <a:fontRef idx="minor">
+            <a:schemeClr val="lt1"/>
+          </a:fontRef>
+        </p:style>
+        <p:txBody>
+          <a:bodyPr rtlCol="0" anchor="ctr"/>
+          <a:lstStyle/>
+          <a:p>
+            <a:r>
+              <a:rPr lang="en-GB" sz="1600" dirty="0" err="1"/>
+              <a:t>DrID</a:t>
+            </a:r>
+            <a:endParaRPr lang="en-GB" sz="1600" dirty="0"/>
+          </a:p>
+          <a:p>
+            <a:r>
+              <a:rPr lang="en-GB" sz="1600" dirty="0" err="1"/>
+              <a:t>DrRegNo</a:t>
+            </a:r>
+            <a:endParaRPr lang="en-GB" sz="1600" dirty="0"/>
+          </a:p>
+          <a:p>
+            <a:r>
+              <a:rPr lang="en-GB" sz="1600" dirty="0" err="1"/>
+              <a:t>DrName</a:t>
+            </a:r>
+            <a:endParaRPr lang="en-GB" sz="1600" dirty="0"/>
+          </a:p>
+          <a:p>
+            <a:r>
+              <a:rPr lang="en-GB" sz="1600" dirty="0" err="1"/>
+              <a:t>DrDOB</a:t>
+            </a:r>
+            <a:endParaRPr lang="en-GB" sz="1600" dirty="0"/>
+          </a:p>
+          <a:p>
+            <a:r>
+              <a:rPr lang="en-GB" sz="1600" dirty="0"/>
+              <a:t>Gender</a:t>
+            </a:r>
+          </a:p>
+          <a:p>
+            <a:r>
+              <a:rPr lang="en-GB" sz="1600" dirty="0" err="1"/>
+              <a:t>DrMobile</a:t>
+            </a:r>
+            <a:endParaRPr lang="en-GB" sz="1600" dirty="0"/>
+          </a:p>
+          <a:p>
+            <a:r>
+              <a:rPr lang="en-GB" sz="1600" dirty="0" err="1"/>
+              <a:t>DrPhone</a:t>
+            </a:r>
+            <a:endParaRPr lang="en-GB" sz="1600" dirty="0"/>
+          </a:p>
+          <a:p>
+            <a:r>
+              <a:rPr lang="en-GB" sz="1600" dirty="0" err="1"/>
+              <a:t>DrAddress</a:t>
+            </a:r>
+            <a:endParaRPr lang="en-GB" sz="1600" dirty="0"/>
+          </a:p>
+          <a:p>
+            <a:r>
+              <a:rPr lang="en-GB" sz="1600" dirty="0" err="1"/>
+              <a:t>TotalExperience</a:t>
+            </a:r>
+            <a:endParaRPr lang="en-GB" sz="1600" dirty="0"/>
+          </a:p>
+          <a:p>
+            <a:r>
+              <a:rPr lang="en-GB" sz="1600" dirty="0"/>
+              <a:t>Nationality</a:t>
+            </a:r>
+          </a:p>
+          <a:p>
+            <a:r>
+              <a:rPr lang="en-GB" sz="1600" dirty="0" err="1"/>
+              <a:t>Specility</a:t>
+            </a:r>
+            <a:endParaRPr lang="en-GB" sz="1600" dirty="0"/>
+          </a:p>
+          <a:p>
+            <a:r>
+              <a:rPr lang="en-GB" sz="1600" dirty="0"/>
+              <a:t>Place</a:t>
+            </a:r>
+          </a:p>
+          <a:p>
+            <a:r>
+              <a:rPr lang="en-GB" sz="1600" dirty="0" err="1"/>
+              <a:t>DocLatitude</a:t>
+            </a:r>
+            <a:endParaRPr lang="en-GB" sz="1600" dirty="0"/>
+          </a:p>
+          <a:p>
+            <a:r>
+              <a:rPr lang="en-GB" sz="1600" dirty="0" err="1"/>
+              <a:t>DocLongitude</a:t>
+            </a:r>
+            <a:endParaRPr lang="en-GB" sz="1600" dirty="0"/>
+          </a:p>
+          <a:p>
+            <a:r>
+              <a:rPr lang="en-GB" sz="1600" dirty="0"/>
+              <a:t>Fee</a:t>
+            </a:r>
+          </a:p>
+          <a:p>
+            <a:r>
+              <a:rPr lang="en-GB" sz="1600" dirty="0"/>
+              <a:t>Availability</a:t>
+            </a:r>
+          </a:p>
+          <a:p>
+            <a:r>
+              <a:rPr lang="en-GB" sz="1600" dirty="0" err="1"/>
+              <a:t>DateOfUpdation</a:t>
+            </a:r>
+            <a:endParaRPr lang="en-GB" sz="1600" dirty="0"/>
+          </a:p>
+        </p:txBody>
+      </p:sp>
+      <p:sp>
+        <p:nvSpPr>
+          <p:cNvPr id="9" name="Rectangle 8"/>
+          <p:cNvSpPr/>
+          <p:nvPr/>
+        </p:nvSpPr>
+        <p:spPr>
+          <a:xfrm>
+            <a:off x="6172299" y="1269758"/>
+            <a:ext cx="2046850" cy="2415978"/>
+          </a:xfrm>
+          <a:prstGeom prst="rect">
+            <a:avLst/>
+          </a:prstGeom>
+        </p:spPr>
+        <p:style>
+          <a:lnRef idx="2">
+            <a:schemeClr val="accent1">
+              <a:shade val="50000"/>
+            </a:schemeClr>
+          </a:lnRef>
+          <a:fillRef idx="1">
+            <a:schemeClr val="accent1"/>
+          </a:fillRef>
+          <a:effectRef idx="0">
+            <a:schemeClr val="accent1"/>
+          </a:effectRef>
+          <a:fontRef idx="minor">
+            <a:schemeClr val="lt1"/>
+          </a:fontRef>
+        </p:style>
+        <p:txBody>
+          <a:bodyPr rtlCol="0" anchor="ctr"/>
+          <a:lstStyle/>
+          <a:p>
+            <a:r>
+              <a:rPr lang="en-GB" sz="1600" dirty="0" err="1"/>
+              <a:t>ComponderId</a:t>
+            </a:r>
+            <a:endParaRPr lang="en-GB" sz="1600" dirty="0"/>
+          </a:p>
+          <a:p>
+            <a:r>
+              <a:rPr lang="en-GB" sz="1600" dirty="0"/>
+              <a:t>Name</a:t>
+            </a:r>
+          </a:p>
+          <a:p>
+            <a:r>
+              <a:rPr lang="en-GB" sz="1600" dirty="0"/>
+              <a:t>Mobile</a:t>
+            </a:r>
+          </a:p>
+          <a:p>
+            <a:r>
+              <a:rPr lang="en-GB" sz="1600" dirty="0"/>
+              <a:t>DOB</a:t>
+            </a:r>
+          </a:p>
+          <a:p>
+            <a:r>
+              <a:rPr lang="en-GB" sz="1600" dirty="0"/>
+              <a:t>Gender</a:t>
+            </a:r>
+          </a:p>
+          <a:p>
+            <a:r>
+              <a:rPr lang="en-GB" sz="1600" dirty="0"/>
+              <a:t>Nationality</a:t>
+            </a:r>
+          </a:p>
+          <a:p>
+            <a:r>
+              <a:rPr lang="en-GB" sz="1600" dirty="0"/>
+              <a:t>Address</a:t>
+            </a:r>
+          </a:p>
+          <a:p>
+            <a:r>
+              <a:rPr lang="en-GB" sz="1600" dirty="0" err="1"/>
+              <a:t>DateOfUpdation</a:t>
+            </a:r>
+            <a:endParaRPr lang="en-GB" sz="1600" dirty="0"/>
+          </a:p>
+        </p:txBody>
+      </p:sp>
+      <p:sp>
+        <p:nvSpPr>
+          <p:cNvPr id="11" name="Rectangle 10"/>
+          <p:cNvSpPr/>
+          <p:nvPr/>
+        </p:nvSpPr>
+        <p:spPr>
+          <a:xfrm>
+            <a:off x="8606009" y="1269758"/>
+            <a:ext cx="2152357" cy="1979879"/>
+          </a:xfrm>
+          <a:prstGeom prst="rect">
+            <a:avLst/>
+          </a:prstGeom>
+        </p:spPr>
+        <p:style>
+          <a:lnRef idx="2">
+            <a:schemeClr val="accent1">
+              <a:shade val="50000"/>
+            </a:schemeClr>
+          </a:lnRef>
+          <a:fillRef idx="1">
+            <a:schemeClr val="accent1"/>
+          </a:fillRef>
+          <a:effectRef idx="0">
+            <a:schemeClr val="accent1"/>
+          </a:effectRef>
+          <a:fontRef idx="minor">
+            <a:schemeClr val="lt1"/>
+          </a:fontRef>
+        </p:style>
+        <p:txBody>
+          <a:bodyPr rtlCol="0" anchor="ctr"/>
+          <a:lstStyle/>
+          <a:p>
+            <a:r>
+              <a:rPr lang="en-GB" sz="1600" dirty="0" err="1"/>
+              <a:t>FkDrID</a:t>
+            </a:r>
+            <a:endParaRPr lang="en-GB" sz="1600" dirty="0"/>
+          </a:p>
+          <a:p>
+            <a:r>
+              <a:rPr lang="en-GB" sz="1600" dirty="0"/>
+              <a:t>Degree </a:t>
+            </a:r>
+          </a:p>
+          <a:p>
+            <a:r>
+              <a:rPr lang="en-GB" sz="1600" dirty="0" err="1"/>
+              <a:t>CollegeName</a:t>
+            </a:r>
+            <a:endParaRPr lang="en-GB" sz="1600" dirty="0"/>
+          </a:p>
+          <a:p>
+            <a:r>
+              <a:rPr lang="en-GB" sz="1600" dirty="0" err="1"/>
+              <a:t>CollegeLocation</a:t>
+            </a:r>
+            <a:endParaRPr lang="en-GB" sz="1600" dirty="0"/>
+          </a:p>
+          <a:p>
+            <a:r>
+              <a:rPr lang="en-GB" sz="1600" dirty="0" err="1"/>
+              <a:t>CollegeCountry</a:t>
+            </a:r>
+            <a:endParaRPr lang="en-GB" sz="1600" dirty="0"/>
+          </a:p>
+          <a:p>
+            <a:r>
+              <a:rPr lang="en-GB" sz="1600" dirty="0" err="1"/>
+              <a:t>IsHeighestDegree</a:t>
+            </a:r>
+            <a:endParaRPr lang="en-GB" sz="1600" dirty="0"/>
+          </a:p>
+          <a:p>
+            <a:r>
+              <a:rPr lang="en-GB" sz="1600" dirty="0" err="1"/>
+              <a:t>DateOfUpdation</a:t>
+            </a:r>
+            <a:endParaRPr lang="en-GB" sz="1600" dirty="0"/>
+          </a:p>
+        </p:txBody>
+      </p:sp>
+      <p:sp>
+        <p:nvSpPr>
+          <p:cNvPr id="12" name="Rectangle 11"/>
+          <p:cNvSpPr/>
+          <p:nvPr/>
+        </p:nvSpPr>
+        <p:spPr>
+          <a:xfrm>
+            <a:off x="8606009" y="3459462"/>
+            <a:ext cx="2152357" cy="3031588"/>
+          </a:xfrm>
+          <a:prstGeom prst="rect">
+            <a:avLst/>
+          </a:prstGeom>
+        </p:spPr>
+        <p:style>
+          <a:lnRef idx="2">
+            <a:schemeClr val="accent1">
+              <a:shade val="50000"/>
+            </a:schemeClr>
+          </a:lnRef>
+          <a:fillRef idx="1">
+            <a:schemeClr val="accent1"/>
+          </a:fillRef>
+          <a:effectRef idx="0">
+            <a:schemeClr val="accent1"/>
+          </a:effectRef>
+          <a:fontRef idx="minor">
+            <a:schemeClr val="lt1"/>
+          </a:fontRef>
+        </p:style>
+        <p:txBody>
+          <a:bodyPr rtlCol="0" anchor="ctr"/>
+          <a:lstStyle/>
+          <a:p>
+            <a:r>
+              <a:rPr lang="en-GB" sz="1600" dirty="0" err="1"/>
+              <a:t>FkPatientID</a:t>
+            </a:r>
+            <a:endParaRPr lang="en-GB" sz="1600" dirty="0"/>
+          </a:p>
+          <a:p>
+            <a:r>
+              <a:rPr lang="en-GB" sz="1600" dirty="0" err="1"/>
+              <a:t>FkDrID</a:t>
+            </a:r>
+            <a:endParaRPr lang="en-GB" sz="1600" dirty="0"/>
+          </a:p>
+          <a:p>
+            <a:r>
+              <a:rPr lang="en-GB" sz="1600" dirty="0" err="1"/>
+              <a:t>DateOfVisit</a:t>
+            </a:r>
+            <a:endParaRPr lang="en-GB" sz="1600" dirty="0"/>
+          </a:p>
+          <a:p>
+            <a:r>
+              <a:rPr lang="en-GB" sz="1600" dirty="0"/>
+              <a:t>Location</a:t>
+            </a:r>
+          </a:p>
+          <a:p>
+            <a:r>
+              <a:rPr lang="en-GB" sz="1600" dirty="0"/>
+              <a:t>Symptoms</a:t>
+            </a:r>
+          </a:p>
+          <a:p>
+            <a:r>
+              <a:rPr lang="en-GB" sz="1600" dirty="0"/>
+              <a:t>Subscription</a:t>
+            </a:r>
+          </a:p>
+          <a:p>
+            <a:r>
+              <a:rPr lang="en-GB" sz="1600" dirty="0" err="1"/>
+              <a:t>Desc</a:t>
+            </a:r>
+            <a:endParaRPr lang="en-GB" sz="1600" dirty="0"/>
+          </a:p>
+          <a:p>
+            <a:r>
+              <a:rPr lang="en-GB" sz="1600" dirty="0" err="1"/>
+              <a:t>MedicinePriceTotal</a:t>
+            </a:r>
+            <a:endParaRPr lang="en-GB" sz="1600" dirty="0"/>
+          </a:p>
+          <a:p>
+            <a:r>
+              <a:rPr lang="en-GB" sz="1600" dirty="0"/>
+              <a:t>Charge</a:t>
+            </a:r>
+          </a:p>
+          <a:p>
+            <a:r>
+              <a:rPr lang="en-GB" sz="1600" dirty="0"/>
+              <a:t>Medicine</a:t>
+            </a:r>
+          </a:p>
+          <a:p>
+            <a:r>
+              <a:rPr lang="en-GB" sz="1600" dirty="0" err="1"/>
+              <a:t>TimeStamp</a:t>
+            </a:r>
+            <a:endParaRPr lang="en-GB" sz="1600" dirty="0"/>
+          </a:p>
+        </p:txBody>
+      </p:sp>
+      <p:sp>
+        <p:nvSpPr>
+          <p:cNvPr id="13" name="Rectangle 12"/>
+          <p:cNvSpPr/>
+          <p:nvPr/>
+        </p:nvSpPr>
+        <p:spPr>
+          <a:xfrm>
+            <a:off x="6172300" y="3953021"/>
+            <a:ext cx="2046850" cy="2448768"/>
+          </a:xfrm>
+          <a:prstGeom prst="rect">
+            <a:avLst/>
+          </a:prstGeom>
+        </p:spPr>
+        <p:style>
+          <a:lnRef idx="2">
+            <a:schemeClr val="accent1">
+              <a:shade val="50000"/>
+            </a:schemeClr>
+          </a:lnRef>
+          <a:fillRef idx="1">
+            <a:schemeClr val="accent1"/>
+          </a:fillRef>
+          <a:effectRef idx="0">
+            <a:schemeClr val="accent1"/>
+          </a:effectRef>
+          <a:fontRef idx="minor">
+            <a:schemeClr val="lt1"/>
+          </a:fontRef>
+        </p:style>
+        <p:txBody>
+          <a:bodyPr rtlCol="0" anchor="ctr"/>
+          <a:lstStyle/>
+          <a:p>
+            <a:r>
+              <a:rPr lang="en-GB" sz="1600" dirty="0" err="1"/>
+              <a:t>AppoId</a:t>
+            </a:r>
+            <a:endParaRPr lang="en-GB" sz="1600" dirty="0"/>
+          </a:p>
+          <a:p>
+            <a:r>
+              <a:rPr lang="en-GB" sz="1600" dirty="0" err="1"/>
+              <a:t>FkDrId</a:t>
+            </a:r>
+            <a:endParaRPr lang="en-GB" sz="1600" dirty="0"/>
+          </a:p>
+          <a:p>
+            <a:r>
+              <a:rPr lang="en-GB" sz="1600" dirty="0" err="1"/>
+              <a:t>FKPatientID</a:t>
+            </a:r>
+            <a:endParaRPr lang="en-GB" sz="1600" dirty="0"/>
+          </a:p>
+          <a:p>
+            <a:r>
+              <a:rPr lang="en-GB" sz="1600" dirty="0" err="1"/>
+              <a:t>FkComponderID</a:t>
+            </a:r>
+            <a:endParaRPr lang="en-GB" sz="1600" dirty="0"/>
+          </a:p>
+          <a:p>
+            <a:r>
+              <a:rPr lang="en-GB" sz="1600" dirty="0" err="1"/>
+              <a:t>AppoTime</a:t>
+            </a:r>
+            <a:endParaRPr lang="en-GB" sz="1600" dirty="0"/>
+          </a:p>
+          <a:p>
+            <a:r>
+              <a:rPr lang="en-GB" sz="1600" dirty="0"/>
+              <a:t>Location</a:t>
+            </a:r>
+          </a:p>
+          <a:p>
+            <a:r>
+              <a:rPr lang="en-GB" sz="1600" dirty="0" err="1"/>
+              <a:t>IsNewPatient</a:t>
+            </a:r>
+            <a:endParaRPr lang="en-GB" sz="1600" dirty="0"/>
+          </a:p>
+          <a:p>
+            <a:r>
+              <a:rPr lang="en-GB" sz="1600" dirty="0" err="1"/>
+              <a:t>DoctorFee</a:t>
+            </a:r>
+            <a:endParaRPr lang="en-GB" sz="1600" dirty="0"/>
+          </a:p>
+          <a:p>
+            <a:r>
+              <a:rPr lang="en-GB" sz="1600" dirty="0" err="1"/>
+              <a:t>TimeStamp</a:t>
+            </a:r>
+            <a:endParaRPr lang="en-GB" sz="1600" dirty="0"/>
           </a:p>
         </p:txBody>
       </p:sp>
@@ -8246,6 +8863,13 @@
   <p:clrMapOvr>
     <a:masterClrMapping/>
   </p:clrMapOvr>
+  <p:timing>
+    <p:tnLst>
+      <p:par>
+        <p:cTn id="1" dur="indefinite" restart="never" nodeType="tmRoot"/>
+      </p:par>
+    </p:tnLst>
+  </p:timing>
 </p:sld>
 </file>
 
@@ -8278,7 +8902,7 @@
         </p:nvSpPr>
         <p:spPr>
           <a:xfrm>
-            <a:off x="2592925" y="624110"/>
+            <a:off x="1819202" y="631944"/>
             <a:ext cx="8911687" cy="689535"/>
           </a:xfrm>
         </p:spPr>
@@ -8294,34 +8918,292 @@
           </a:p>
         </p:txBody>
       </p:sp>
-      <p:sp>
-        <p:nvSpPr>
-          <p:cNvPr id="3" name="Content Placeholder 2"/>
-          <p:cNvSpPr>
-            <a:spLocks noGrp="1"/>
-          </p:cNvSpPr>
-          <p:nvPr>
-            <p:ph idx="1"/>
-          </p:nvPr>
-        </p:nvSpPr>
+      <p:pic>
+        <p:nvPicPr>
+          <p:cNvPr id="5" name="Picture 4"/>
+          <p:cNvPicPr>
+            <a:picLocks noChangeAspect="1"/>
+          </p:cNvPicPr>
+          <p:nvPr/>
+        </p:nvPicPr>
+        <p:blipFill>
+          <a:blip r:embed="rId2">
+            <a:extLst>
+              <a:ext uri="{28A0092B-C50C-407E-A947-70E740481C1C}">
+                <a14:useLocalDpi xmlns:a14="http://schemas.microsoft.com/office/drawing/2010/main" val="0"/>
+              </a:ext>
+            </a:extLst>
+          </a:blip>
+          <a:stretch>
+            <a:fillRect/>
+          </a:stretch>
+        </p:blipFill>
         <p:spPr>
           <a:xfrm>
-            <a:off x="2589212" y="1313645"/>
-            <a:ext cx="8915400" cy="4597577"/>
-          </a:xfrm>
-        </p:spPr>
-        <p:txBody>
-          <a:bodyPr/>
-          <a:lstStyle/>
-          <a:p>
-            <a:r>
-              <a:rPr lang="en-US" smtClean="0"/>
-              <a:t>In progress</a:t>
-            </a:r>
-            <a:endParaRPr lang="en-GB" dirty="0"/>
-          </a:p>
-        </p:txBody>
-      </p:sp>
+            <a:off x="4501661" y="956295"/>
+            <a:ext cx="1240887" cy="1774323"/>
+          </a:xfrm>
+          <a:prstGeom prst="rect">
+            <a:avLst/>
+          </a:prstGeom>
+        </p:spPr>
+      </p:pic>
+      <p:pic>
+        <p:nvPicPr>
+          <p:cNvPr id="6" name="Picture 5"/>
+          <p:cNvPicPr>
+            <a:picLocks noChangeAspect="1"/>
+          </p:cNvPicPr>
+          <p:nvPr/>
+        </p:nvPicPr>
+        <p:blipFill>
+          <a:blip r:embed="rId3">
+            <a:extLst>
+              <a:ext uri="{28A0092B-C50C-407E-A947-70E740481C1C}">
+                <a14:useLocalDpi xmlns:a14="http://schemas.microsoft.com/office/drawing/2010/main" val="0"/>
+              </a:ext>
+            </a:extLst>
+          </a:blip>
+          <a:stretch>
+            <a:fillRect/>
+          </a:stretch>
+        </p:blipFill>
+        <p:spPr>
+          <a:xfrm>
+            <a:off x="4501661" y="5387525"/>
+            <a:ext cx="1091994" cy="1256971"/>
+          </a:xfrm>
+          <a:prstGeom prst="rect">
+            <a:avLst/>
+          </a:prstGeom>
+        </p:spPr>
+      </p:pic>
+      <p:pic>
+        <p:nvPicPr>
+          <p:cNvPr id="7" name="Picture 6"/>
+          <p:cNvPicPr>
+            <a:picLocks noChangeAspect="1"/>
+          </p:cNvPicPr>
+          <p:nvPr/>
+        </p:nvPicPr>
+        <p:blipFill>
+          <a:blip r:embed="rId4">
+            <a:extLst>
+              <a:ext uri="{28A0092B-C50C-407E-A947-70E740481C1C}">
+                <a14:useLocalDpi xmlns:a14="http://schemas.microsoft.com/office/drawing/2010/main" val="0"/>
+              </a:ext>
+            </a:extLst>
+          </a:blip>
+          <a:stretch>
+            <a:fillRect/>
+          </a:stretch>
+        </p:blipFill>
+        <p:spPr>
+          <a:xfrm>
+            <a:off x="7850596" y="5064369"/>
+            <a:ext cx="1307472" cy="1580127"/>
+          </a:xfrm>
+          <a:prstGeom prst="rect">
+            <a:avLst/>
+          </a:prstGeom>
+        </p:spPr>
+      </p:pic>
+      <p:pic>
+        <p:nvPicPr>
+          <p:cNvPr id="8" name="Picture 7"/>
+          <p:cNvPicPr>
+            <a:picLocks noChangeAspect="1"/>
+          </p:cNvPicPr>
+          <p:nvPr/>
+        </p:nvPicPr>
+        <p:blipFill>
+          <a:blip r:embed="rId5">
+            <a:extLst>
+              <a:ext uri="{28A0092B-C50C-407E-A947-70E740481C1C}">
+                <a14:useLocalDpi xmlns:a14="http://schemas.microsoft.com/office/drawing/2010/main" val="0"/>
+              </a:ext>
+            </a:extLst>
+          </a:blip>
+          <a:stretch>
+            <a:fillRect/>
+          </a:stretch>
+        </p:blipFill>
+        <p:spPr>
+          <a:xfrm>
+            <a:off x="6018043" y="3426773"/>
+            <a:ext cx="1219200" cy="1219200"/>
+          </a:xfrm>
+          <a:prstGeom prst="rect">
+            <a:avLst/>
+          </a:prstGeom>
+        </p:spPr>
+      </p:pic>
+      <p:cxnSp>
+        <p:nvCxnSpPr>
+          <p:cNvPr id="10" name="Straight Arrow Connector 9"/>
+          <p:cNvCxnSpPr>
+            <a:endCxn id="8" idx="0"/>
+          </p:cNvCxnSpPr>
+          <p:nvPr/>
+        </p:nvCxnSpPr>
+        <p:spPr>
+          <a:xfrm>
+            <a:off x="5264837" y="2532845"/>
+            <a:ext cx="1362806" cy="893928"/>
+          </a:xfrm>
+          <a:prstGeom prst="straightConnector1">
+            <a:avLst/>
+          </a:prstGeom>
+          <a:ln>
+            <a:tailEnd type="triangle"/>
+          </a:ln>
+        </p:spPr>
+        <p:style>
+          <a:lnRef idx="1">
+            <a:schemeClr val="accent1"/>
+          </a:lnRef>
+          <a:fillRef idx="0">
+            <a:schemeClr val="accent1"/>
+          </a:fillRef>
+          <a:effectRef idx="0">
+            <a:schemeClr val="accent1"/>
+          </a:effectRef>
+          <a:fontRef idx="minor">
+            <a:schemeClr val="tx1"/>
+          </a:fontRef>
+        </p:style>
+      </p:cxnSp>
+      <p:cxnSp>
+        <p:nvCxnSpPr>
+          <p:cNvPr id="13" name="Straight Arrow Connector 12"/>
+          <p:cNvCxnSpPr>
+            <a:stCxn id="8" idx="2"/>
+          </p:cNvCxnSpPr>
+          <p:nvPr/>
+        </p:nvCxnSpPr>
+        <p:spPr>
+          <a:xfrm flipH="1">
+            <a:off x="5317588" y="4645973"/>
+            <a:ext cx="1310055" cy="938901"/>
+          </a:xfrm>
+          <a:prstGeom prst="straightConnector1">
+            <a:avLst/>
+          </a:prstGeom>
+          <a:ln>
+            <a:tailEnd type="triangle"/>
+          </a:ln>
+        </p:spPr>
+        <p:style>
+          <a:lnRef idx="1">
+            <a:schemeClr val="accent1"/>
+          </a:lnRef>
+          <a:fillRef idx="0">
+            <a:schemeClr val="accent1"/>
+          </a:fillRef>
+          <a:effectRef idx="0">
+            <a:schemeClr val="accent1"/>
+          </a:effectRef>
+          <a:fontRef idx="minor">
+            <a:schemeClr val="tx1"/>
+          </a:fontRef>
+        </p:style>
+      </p:cxnSp>
+      <p:cxnSp>
+        <p:nvCxnSpPr>
+          <p:cNvPr id="15" name="Straight Arrow Connector 14"/>
+          <p:cNvCxnSpPr/>
+          <p:nvPr/>
+        </p:nvCxnSpPr>
+        <p:spPr>
+          <a:xfrm>
+            <a:off x="7048768" y="4645973"/>
+            <a:ext cx="941681" cy="1037375"/>
+          </a:xfrm>
+          <a:prstGeom prst="straightConnector1">
+            <a:avLst/>
+          </a:prstGeom>
+          <a:ln>
+            <a:tailEnd type="triangle"/>
+          </a:ln>
+        </p:spPr>
+        <p:style>
+          <a:lnRef idx="1">
+            <a:schemeClr val="accent1"/>
+          </a:lnRef>
+          <a:fillRef idx="0">
+            <a:schemeClr val="accent1"/>
+          </a:fillRef>
+          <a:effectRef idx="0">
+            <a:schemeClr val="accent1"/>
+          </a:effectRef>
+          <a:fontRef idx="minor">
+            <a:schemeClr val="tx1"/>
+          </a:fontRef>
+        </p:style>
+      </p:cxnSp>
+      <p:pic>
+        <p:nvPicPr>
+          <p:cNvPr id="19" name="Picture 18"/>
+          <p:cNvPicPr>
+            <a:picLocks noChangeAspect="1"/>
+          </p:cNvPicPr>
+          <p:nvPr/>
+        </p:nvPicPr>
+        <p:blipFill>
+          <a:blip r:embed="rId6">
+            <a:extLst>
+              <a:ext uri="{28A0092B-C50C-407E-A947-70E740481C1C}">
+                <a14:useLocalDpi xmlns:a14="http://schemas.microsoft.com/office/drawing/2010/main" val="0"/>
+              </a:ext>
+            </a:extLst>
+          </a:blip>
+          <a:stretch>
+            <a:fillRect/>
+          </a:stretch>
+        </p:blipFill>
+        <p:spPr>
+          <a:xfrm>
+            <a:off x="8640664" y="1058342"/>
+            <a:ext cx="1347397" cy="1347397"/>
+          </a:xfrm>
+          <a:prstGeom prst="rect">
+            <a:avLst/>
+          </a:prstGeom>
+        </p:spPr>
+      </p:pic>
+      <p:cxnSp>
+        <p:nvCxnSpPr>
+          <p:cNvPr id="21" name="Straight Arrow Connector 20"/>
+          <p:cNvCxnSpPr/>
+          <p:nvPr/>
+        </p:nvCxnSpPr>
+        <p:spPr>
+          <a:xfrm flipH="1">
+            <a:off x="7048768" y="2405739"/>
+            <a:ext cx="1591896" cy="1021034"/>
+          </a:xfrm>
+          <a:prstGeom prst="straightConnector1">
+            <a:avLst/>
+          </a:prstGeom>
+          <a:ln>
+            <a:tailEnd type="triangle"/>
+          </a:ln>
+        </p:spPr>
+        <p:style>
+          <a:lnRef idx="1">
+            <a:schemeClr val="accent1"/>
+          </a:lnRef>
+          <a:fillRef idx="0">
+            <a:schemeClr val="accent1"/>
+          </a:fillRef>
+          <a:effectRef idx="0">
+            <a:schemeClr val="accent1"/>
+          </a:effectRef>
+          <a:fontRef idx="minor">
+            <a:schemeClr val="tx1"/>
+          </a:fontRef>
+        </p:style>
+      </p:cxnSp>
     </p:spTree>
     <p:extLst>
       <p:ext uri="{BB962C8B-B14F-4D97-AF65-F5344CB8AC3E}">
@@ -8332,6 +9214,13 @@
   <p:clrMapOvr>
     <a:masterClrMapping/>
   </p:clrMapOvr>
+  <p:timing>
+    <p:tnLst>
+      <p:par>
+        <p:cTn id="1" dur="indefinite" restart="never" nodeType="tmRoot"/>
+      </p:par>
+    </p:tnLst>
+  </p:timing>
 </p:sld>
 </file>
 

--- a/docs/ABS.pptx
+++ b/docs/ABS.pptx
@@ -8235,8 +8235,8 @@
         </p:nvSpPr>
         <p:spPr>
           <a:xfrm>
-            <a:off x="1790212" y="1285510"/>
-            <a:ext cx="1543831" cy="2780054"/>
+            <a:off x="1790212" y="1285509"/>
+            <a:ext cx="2009056" cy="3028913"/>
           </a:xfrm>
           <a:prstGeom prst="rect">
             <a:avLst/>
@@ -8320,8 +8320,21 @@
           </a:p>
           <a:p>
             <a:r>
-              <a:rPr lang="en-GB" sz="1600" dirty="0" err="1"/>
+              <a:rPr lang="en-GB" sz="1600" dirty="0" err="1" smtClean="0"/>
               <a:t>DateOfUpdation</a:t>
+            </a:r>
+            <a:endParaRPr lang="en-GB" sz="1600" dirty="0" smtClean="0"/>
+          </a:p>
+          <a:p>
+            <a:r>
+              <a:rPr lang="en-US" sz="1600" dirty="0" smtClean="0"/>
+              <a:t>Image</a:t>
+            </a:r>
+          </a:p>
+          <a:p>
+            <a:r>
+              <a:rPr lang="en-US" sz="1600" dirty="0" err="1" smtClean="0"/>
+              <a:t>FkRegistrationID</a:t>
             </a:r>
             <a:endParaRPr lang="en-GB" sz="1600" dirty="0"/>
           </a:p>
@@ -8335,8 +8348,8 @@
         </p:nvSpPr>
         <p:spPr>
           <a:xfrm>
-            <a:off x="3727938" y="1285509"/>
-            <a:ext cx="2057501" cy="4347907"/>
+            <a:off x="4519327" y="1285510"/>
+            <a:ext cx="2057501" cy="4574377"/>
           </a:xfrm>
           <a:prstGeom prst="rect">
             <a:avLst/>
@@ -8464,9 +8477,16 @@
           </a:p>
           <a:p>
             <a:r>
-              <a:rPr lang="en-GB" sz="1600" dirty="0"/>
+              <a:rPr lang="en-GB" sz="1600" dirty="0" smtClean="0"/>
               <a:t>Availability</a:t>
             </a:r>
+          </a:p>
+          <a:p>
+            <a:r>
+              <a:rPr lang="en-US" sz="1600" dirty="0" smtClean="0"/>
+              <a:t>Image</a:t>
+            </a:r>
+            <a:endParaRPr lang="en-GB" sz="1600" dirty="0"/>
           </a:p>
           <a:p>
             <a:r>
@@ -8485,7 +8505,7 @@
         </p:nvSpPr>
         <p:spPr>
           <a:xfrm>
-            <a:off x="6172299" y="1269758"/>
+            <a:off x="7122714" y="1285510"/>
             <a:ext cx="2046850" cy="2415978"/>
           </a:xfrm>
           <a:prstGeom prst="rect">
@@ -8513,8 +8533,15 @@
           <a:lstStyle/>
           <a:p>
             <a:r>
-              <a:rPr lang="en-GB" sz="1600" dirty="0" err="1"/>
+              <a:rPr lang="en-GB" sz="1600" dirty="0" err="1" smtClean="0"/>
               <a:t>ComponderId</a:t>
+            </a:r>
+            <a:endParaRPr lang="en-GB" sz="1600" dirty="0" smtClean="0"/>
+          </a:p>
+          <a:p>
+            <a:r>
+              <a:rPr lang="en-US" sz="1600" dirty="0" err="1" smtClean="0"/>
+              <a:t>FkDrID</a:t>
             </a:r>
             <a:endParaRPr lang="en-GB" sz="1600" dirty="0"/>
           </a:p>
@@ -8571,7 +8598,7 @@
         </p:nvSpPr>
         <p:spPr>
           <a:xfrm>
-            <a:off x="8606009" y="1269758"/>
+            <a:off x="9715450" y="1285510"/>
             <a:ext cx="2152357" cy="1979879"/>
           </a:xfrm>
           <a:prstGeom prst="rect">
@@ -8655,7 +8682,7 @@
         </p:nvSpPr>
         <p:spPr>
           <a:xfrm>
-            <a:off x="8606009" y="3459462"/>
+            <a:off x="9715450" y="3597962"/>
             <a:ext cx="2152357" cy="3031588"/>
           </a:xfrm>
           <a:prstGeom prst="rect">
@@ -8763,8 +8790,8 @@
         </p:nvSpPr>
         <p:spPr>
           <a:xfrm>
-            <a:off x="6172300" y="3953021"/>
-            <a:ext cx="2046850" cy="2448768"/>
+            <a:off x="7122714" y="3902299"/>
+            <a:ext cx="2046850" cy="2612033"/>
           </a:xfrm>
           <a:prstGeom prst="rect">
             <a:avLst/>
@@ -8839,8 +8866,15 @@
           </a:p>
           <a:p>
             <a:r>
-              <a:rPr lang="en-GB" sz="1600" dirty="0" err="1"/>
+              <a:rPr lang="en-GB" sz="1600" dirty="0" err="1" smtClean="0"/>
               <a:t>DoctorFee</a:t>
+            </a:r>
+            <a:endParaRPr lang="en-GB" sz="1600" dirty="0" smtClean="0"/>
+          </a:p>
+          <a:p>
+            <a:r>
+              <a:rPr lang="en-US" sz="1600" dirty="0" err="1" smtClean="0"/>
+              <a:t>IsPaid</a:t>
             </a:r>
             <a:endParaRPr lang="en-GB" sz="1600" dirty="0"/>
           </a:p>
@@ -8850,6 +8884,88 @@
               <a:t>TimeStamp</a:t>
             </a:r>
             <a:endParaRPr lang="en-GB" sz="1600" dirty="0"/>
+          </a:p>
+        </p:txBody>
+      </p:sp>
+      <p:sp>
+        <p:nvSpPr>
+          <p:cNvPr id="10" name="Rectangle 9"/>
+          <p:cNvSpPr/>
+          <p:nvPr/>
+        </p:nvSpPr>
+        <p:spPr>
+          <a:xfrm>
+            <a:off x="1762076" y="4490203"/>
+            <a:ext cx="2009056" cy="2024130"/>
+          </a:xfrm>
+          <a:prstGeom prst="rect">
+            <a:avLst/>
+          </a:prstGeom>
+        </p:spPr>
+        <p:style>
+          <a:lnRef idx="2">
+            <a:schemeClr val="accent1">
+              <a:shade val="50000"/>
+            </a:schemeClr>
+          </a:lnRef>
+          <a:fillRef idx="1">
+            <a:schemeClr val="accent1"/>
+          </a:fillRef>
+          <a:effectRef idx="0">
+            <a:schemeClr val="accent1"/>
+          </a:effectRef>
+          <a:fontRef idx="minor">
+            <a:schemeClr val="lt1"/>
+          </a:fontRef>
+        </p:style>
+        <p:txBody>
+          <a:bodyPr rtlCol="0" anchor="ctr"/>
+          <a:lstStyle/>
+          <a:p>
+            <a:r>
+              <a:rPr lang="en-US" sz="1600" dirty="0" err="1" smtClean="0"/>
+              <a:t>RegisterationID</a:t>
+            </a:r>
+            <a:endParaRPr lang="en-US" sz="1600" dirty="0" smtClean="0"/>
+          </a:p>
+          <a:p>
+            <a:r>
+              <a:rPr lang="en-US" sz="1600" dirty="0" err="1" smtClean="0"/>
+              <a:t>RegistrationType</a:t>
+            </a:r>
+            <a:endParaRPr lang="en-US" sz="1600" dirty="0" smtClean="0"/>
+          </a:p>
+          <a:p>
+            <a:r>
+              <a:rPr lang="en-US" sz="1600" dirty="0" smtClean="0"/>
+              <a:t>Mobile</a:t>
+            </a:r>
+          </a:p>
+          <a:p>
+            <a:r>
+              <a:rPr lang="en-US" sz="1600" dirty="0" smtClean="0"/>
+              <a:t>Password</a:t>
+            </a:r>
+          </a:p>
+          <a:p>
+            <a:r>
+              <a:rPr lang="en-US" sz="1600" dirty="0" smtClean="0"/>
+              <a:t>Registration Date</a:t>
+            </a:r>
+          </a:p>
+          <a:p>
+            <a:r>
+              <a:rPr lang="en-US" sz="1600" dirty="0" err="1" smtClean="0"/>
+              <a:t>ProfilePic</a:t>
+            </a:r>
+            <a:endParaRPr lang="en-US" sz="1600" dirty="0" smtClean="0"/>
+          </a:p>
+          <a:p>
+            <a:r>
+              <a:rPr lang="en-US" sz="1600" dirty="0" err="1" smtClean="0"/>
+              <a:t>isPaid</a:t>
+            </a:r>
+            <a:endParaRPr lang="en-US" sz="1600" dirty="0" smtClean="0"/>
           </a:p>
         </p:txBody>
       </p:sp>

--- a/docs/ABS.pptx
+++ b/docs/ABS.pptx
@@ -304,7 +304,7 @@
             <a:fld id="{B61BEF0D-F0BB-DE4B-95CE-6DB70DBA9567}" type="datetimeFigureOut">
               <a:rPr lang="en-US" dirty="0"/>
               <a:pPr/>
-              <a:t>1/20/2018</a:t>
+              <a:t>3/4/2018</a:t>
             </a:fld>
             <a:endParaRPr lang="en-US" dirty="0"/>
           </a:p>
@@ -639,7 +639,7 @@
             <a:fld id="{B61BEF0D-F0BB-DE4B-95CE-6DB70DBA9567}" type="datetimeFigureOut">
               <a:rPr lang="en-US" dirty="0"/>
               <a:pPr/>
-              <a:t>1/20/2018</a:t>
+              <a:t>3/4/2018</a:t>
             </a:fld>
             <a:endParaRPr lang="en-US" dirty="0"/>
           </a:p>
@@ -1037,7 +1037,7 @@
             <a:fld id="{B61BEF0D-F0BB-DE4B-95CE-6DB70DBA9567}" type="datetimeFigureOut">
               <a:rPr lang="en-US" dirty="0"/>
               <a:pPr/>
-              <a:t>1/20/2018</a:t>
+              <a:t>3/4/2018</a:t>
             </a:fld>
             <a:endParaRPr lang="en-US" dirty="0"/>
           </a:p>
@@ -1370,7 +1370,7 @@
             <a:fld id="{B61BEF0D-F0BB-DE4B-95CE-6DB70DBA9567}" type="datetimeFigureOut">
               <a:rPr lang="en-US" dirty="0"/>
               <a:pPr/>
-              <a:t>1/20/2018</a:t>
+              <a:t>3/4/2018</a:t>
             </a:fld>
             <a:endParaRPr lang="en-US" dirty="0"/>
           </a:p>
@@ -1687,7 +1687,7 @@
             <a:fld id="{B61BEF0D-F0BB-DE4B-95CE-6DB70DBA9567}" type="datetimeFigureOut">
               <a:rPr lang="en-US" dirty="0"/>
               <a:pPr/>
-              <a:t>1/20/2018</a:t>
+              <a:t>3/4/2018</a:t>
             </a:fld>
             <a:endParaRPr lang="en-US" dirty="0"/>
           </a:p>
@@ -2080,7 +2080,7 @@
             <a:fld id="{B61BEF0D-F0BB-DE4B-95CE-6DB70DBA9567}" type="datetimeFigureOut">
               <a:rPr lang="en-US" dirty="0"/>
               <a:pPr/>
-              <a:t>1/20/2018</a:t>
+              <a:t>3/4/2018</a:t>
             </a:fld>
             <a:endParaRPr lang="en-US" dirty="0"/>
           </a:p>
@@ -2334,7 +2334,7 @@
             <a:fld id="{B61BEF0D-F0BB-DE4B-95CE-6DB70DBA9567}" type="datetimeFigureOut">
               <a:rPr lang="en-US" dirty="0"/>
               <a:pPr/>
-              <a:t>1/20/2018</a:t>
+              <a:t>3/4/2018</a:t>
             </a:fld>
             <a:endParaRPr lang="en-US" dirty="0"/>
           </a:p>
@@ -2593,7 +2593,7 @@
             <a:fld id="{B61BEF0D-F0BB-DE4B-95CE-6DB70DBA9567}" type="datetimeFigureOut">
               <a:rPr lang="en-US" dirty="0"/>
               <a:pPr/>
-              <a:t>1/20/2018</a:t>
+              <a:t>3/4/2018</a:t>
             </a:fld>
             <a:endParaRPr lang="en-US" dirty="0"/>
           </a:p>
@@ -2852,7 +2852,7 @@
             <a:fld id="{B61BEF0D-F0BB-DE4B-95CE-6DB70DBA9567}" type="datetimeFigureOut">
               <a:rPr lang="en-US" dirty="0"/>
               <a:pPr/>
-              <a:t>1/20/2018</a:t>
+              <a:t>3/4/2018</a:t>
             </a:fld>
             <a:endParaRPr lang="en-US" dirty="0"/>
           </a:p>
@@ -3178,7 +3178,7 @@
             <a:fld id="{B61BEF0D-F0BB-DE4B-95CE-6DB70DBA9567}" type="datetimeFigureOut">
               <a:rPr lang="en-US" dirty="0"/>
               <a:pPr/>
-              <a:t>1/20/2018</a:t>
+              <a:t>3/4/2018</a:t>
             </a:fld>
             <a:endParaRPr lang="en-US" dirty="0"/>
           </a:p>
@@ -3498,7 +3498,7 @@
             <a:fld id="{B61BEF0D-F0BB-DE4B-95CE-6DB70DBA9567}" type="datetimeFigureOut">
               <a:rPr lang="en-US" dirty="0"/>
               <a:pPr/>
-              <a:t>1/20/2018</a:t>
+              <a:t>3/4/2018</a:t>
             </a:fld>
             <a:endParaRPr lang="en-US" dirty="0"/>
           </a:p>
@@ -3952,7 +3952,7 @@
             <a:fld id="{B61BEF0D-F0BB-DE4B-95CE-6DB70DBA9567}" type="datetimeFigureOut">
               <a:rPr lang="en-US" dirty="0"/>
               <a:pPr/>
-              <a:t>1/20/2018</a:t>
+              <a:t>3/4/2018</a:t>
             </a:fld>
             <a:endParaRPr lang="en-US" dirty="0"/>
           </a:p>
@@ -4154,7 +4154,7 @@
             <a:fld id="{B61BEF0D-F0BB-DE4B-95CE-6DB70DBA9567}" type="datetimeFigureOut">
               <a:rPr lang="en-US" dirty="0"/>
               <a:pPr/>
-              <a:t>1/20/2018</a:t>
+              <a:t>3/4/2018</a:t>
             </a:fld>
             <a:endParaRPr lang="en-US" dirty="0"/>
           </a:p>
@@ -4328,7 +4328,7 @@
             <a:fld id="{B61BEF0D-F0BB-DE4B-95CE-6DB70DBA9567}" type="datetimeFigureOut">
               <a:rPr lang="en-US" dirty="0"/>
               <a:pPr/>
-              <a:t>1/20/2018</a:t>
+              <a:t>3/4/2018</a:t>
             </a:fld>
             <a:endParaRPr lang="en-US" dirty="0"/>
           </a:p>
@@ -4658,7 +4658,7 @@
             <a:fld id="{B61BEF0D-F0BB-DE4B-95CE-6DB70DBA9567}" type="datetimeFigureOut">
               <a:rPr lang="en-US" dirty="0"/>
               <a:pPr/>
-              <a:t>1/20/2018</a:t>
+              <a:t>3/4/2018</a:t>
             </a:fld>
             <a:endParaRPr lang="en-US" dirty="0"/>
           </a:p>
@@ -5000,7 +5000,7 @@
             <a:fld id="{B61BEF0D-F0BB-DE4B-95CE-6DB70DBA9567}" type="datetimeFigureOut">
               <a:rPr lang="en-US" dirty="0"/>
               <a:pPr/>
-              <a:t>1/20/2018</a:t>
+              <a:t>3/4/2018</a:t>
             </a:fld>
             <a:endParaRPr lang="en-US" dirty="0"/>
           </a:p>
@@ -7114,7 +7114,7 @@
             <a:fld id="{B61BEF0D-F0BB-DE4B-95CE-6DB70DBA9567}" type="datetimeFigureOut">
               <a:rPr lang="en-US" dirty="0"/>
               <a:pPr/>
-              <a:t>1/20/2018</a:t>
+              <a:t>3/4/2018</a:t>
             </a:fld>
             <a:endParaRPr lang="en-US" dirty="0"/>
           </a:p>
@@ -8235,8 +8235,8 @@
         </p:nvSpPr>
         <p:spPr>
           <a:xfrm>
-            <a:off x="1790212" y="1285509"/>
-            <a:ext cx="2009056" cy="3028913"/>
+            <a:off x="1958276" y="3443415"/>
+            <a:ext cx="2009056" cy="2957385"/>
           </a:xfrm>
           <a:prstGeom prst="rect">
             <a:avLst/>
@@ -8263,67 +8263,64 @@
           <a:lstStyle/>
           <a:p>
             <a:r>
-              <a:rPr lang="en-GB" sz="1600" dirty="0" err="1"/>
-              <a:t>PatientID</a:t>
-            </a:r>
-            <a:endParaRPr lang="en-GB" sz="1600" dirty="0"/>
-          </a:p>
-          <a:p>
-            <a:r>
-              <a:rPr lang="en-GB" sz="1600" dirty="0" err="1"/>
-              <a:t>PatientName</a:t>
-            </a:r>
-            <a:endParaRPr lang="en-GB" sz="1600" dirty="0"/>
-          </a:p>
-          <a:p>
-            <a:r>
-              <a:rPr lang="en-GB" sz="1600" dirty="0" err="1"/>
-              <a:t>Emaill</a:t>
-            </a:r>
-            <a:endParaRPr lang="en-GB" sz="1600" dirty="0"/>
-          </a:p>
-          <a:p>
-            <a:r>
-              <a:rPr lang="en-GB" sz="1600" dirty="0"/>
-              <a:t>Mobile </a:t>
-            </a:r>
-          </a:p>
-          <a:p>
-            <a:r>
-              <a:rPr lang="en-GB" sz="1600" dirty="0"/>
+              <a:rPr lang="en-US" sz="1600" dirty="0" err="1" smtClean="0"/>
+              <a:t>Patient</a:t>
+            </a:r>
+            <a:r>
+              <a:rPr lang="en-US" sz="1600" dirty="0" err="1" smtClean="0"/>
+              <a:t>ID</a:t>
+            </a:r>
+            <a:endParaRPr lang="en-US" sz="1600" dirty="0" smtClean="0"/>
+          </a:p>
+          <a:p>
+            <a:r>
+              <a:rPr lang="en-US" sz="1600" dirty="0" err="1" smtClean="0"/>
+              <a:t>FKRegisterationID</a:t>
+            </a:r>
+            <a:endParaRPr lang="en-US" sz="1600" dirty="0" smtClean="0"/>
+          </a:p>
+          <a:p>
+            <a:r>
+              <a:rPr lang="en-US" sz="1600" dirty="0" smtClean="0"/>
+              <a:t>Name</a:t>
+            </a:r>
+          </a:p>
+          <a:p>
+            <a:r>
+              <a:rPr lang="en-US" sz="1600" dirty="0" smtClean="0"/>
+              <a:t>Gender</a:t>
+            </a:r>
+          </a:p>
+          <a:p>
+            <a:r>
+              <a:rPr lang="en-US" sz="1600" dirty="0" smtClean="0"/>
+              <a:t>Address</a:t>
+            </a:r>
+          </a:p>
+          <a:p>
+            <a:r>
+              <a:rPr lang="en-US" sz="1600" dirty="0" smtClean="0"/>
+              <a:t>PIN</a:t>
+            </a:r>
+          </a:p>
+          <a:p>
+            <a:r>
+              <a:rPr lang="en-US" sz="1600" dirty="0" smtClean="0"/>
+              <a:t>Email</a:t>
+            </a:r>
+          </a:p>
+          <a:p>
+            <a:r>
+              <a:rPr lang="en-US" sz="1600" dirty="0" smtClean="0"/>
               <a:t>DOB</a:t>
             </a:r>
           </a:p>
           <a:p>
             <a:r>
-              <a:rPr lang="en-GB" sz="1600" dirty="0"/>
-              <a:t>Gender </a:t>
-            </a:r>
-          </a:p>
-          <a:p>
-            <a:r>
-              <a:rPr lang="en-GB" sz="1600" dirty="0"/>
-              <a:t>Nationality</a:t>
-            </a:r>
-          </a:p>
-          <a:p>
-            <a:r>
-              <a:rPr lang="en-GB" sz="1600" dirty="0"/>
-              <a:t>Address</a:t>
-            </a:r>
-          </a:p>
-          <a:p>
-            <a:r>
-              <a:rPr lang="en-GB" sz="1600" dirty="0"/>
-              <a:t>Pin</a:t>
-            </a:r>
-          </a:p>
-          <a:p>
-            <a:r>
-              <a:rPr lang="en-GB" sz="1600" dirty="0" err="1" smtClean="0"/>
-              <a:t>DateOfUpdation</a:t>
-            </a:r>
-            <a:endParaRPr lang="en-GB" sz="1600" dirty="0" smtClean="0"/>
+              <a:rPr lang="en-US" sz="1600" dirty="0" err="1" smtClean="0"/>
+              <a:t>OtherContact</a:t>
+            </a:r>
+            <a:endParaRPr lang="en-US" sz="1600" dirty="0" smtClean="0"/>
           </a:p>
           <a:p>
             <a:r>
@@ -8334,7 +8331,14 @@
           <a:p>
             <a:r>
               <a:rPr lang="en-US" sz="1600" dirty="0" err="1" smtClean="0"/>
-              <a:t>FkRegistrationID</a:t>
+              <a:t>LastUpdate</a:t>
+            </a:r>
+            <a:endParaRPr lang="en-US" sz="1600" dirty="0" smtClean="0"/>
+          </a:p>
+          <a:p>
+            <a:r>
+              <a:rPr lang="en-US" sz="1600" dirty="0" smtClean="0"/>
+              <a:t>Status</a:t>
             </a:r>
             <a:endParaRPr lang="en-GB" sz="1600" dirty="0"/>
           </a:p>
@@ -8348,8 +8352,8 @@
         </p:nvSpPr>
         <p:spPr>
           <a:xfrm>
-            <a:off x="4519327" y="1285510"/>
-            <a:ext cx="2057501" cy="4574377"/>
+            <a:off x="4218899" y="1285510"/>
+            <a:ext cx="2057501" cy="2616788"/>
           </a:xfrm>
           <a:prstGeom prst="rect">
             <a:avLst/>
@@ -8376,8 +8380,15 @@
           <a:lstStyle/>
           <a:p>
             <a:r>
-              <a:rPr lang="en-GB" sz="1600" dirty="0" err="1"/>
+              <a:rPr lang="en-GB" sz="1600" dirty="0" err="1" smtClean="0"/>
               <a:t>DrID</a:t>
+            </a:r>
+            <a:endParaRPr lang="en-GB" sz="1600" dirty="0" smtClean="0"/>
+          </a:p>
+          <a:p>
+            <a:r>
+              <a:rPr lang="en-US" sz="1600" dirty="0" err="1" smtClean="0"/>
+              <a:t>FKRegisterationID</a:t>
             </a:r>
             <a:endParaRPr lang="en-GB" sz="1600" dirty="0"/>
           </a:p>
@@ -8390,61 +8401,14 @@
           </a:p>
           <a:p>
             <a:r>
-              <a:rPr lang="en-GB" sz="1600" dirty="0" err="1"/>
-              <a:t>DrName</a:t>
+              <a:rPr lang="en-GB" sz="1600" dirty="0" err="1" smtClean="0"/>
+              <a:t>TotalExperience</a:t>
             </a:r>
             <a:endParaRPr lang="en-GB" sz="1600" dirty="0"/>
           </a:p>
           <a:p>
             <a:r>
-              <a:rPr lang="en-GB" sz="1600" dirty="0" err="1"/>
-              <a:t>DrDOB</a:t>
-            </a:r>
-            <a:endParaRPr lang="en-GB" sz="1600" dirty="0"/>
-          </a:p>
-          <a:p>
-            <a:r>
-              <a:rPr lang="en-GB" sz="1600" dirty="0"/>
-              <a:t>Gender</a:t>
-            </a:r>
-          </a:p>
-          <a:p>
-            <a:r>
-              <a:rPr lang="en-GB" sz="1600" dirty="0" err="1"/>
-              <a:t>DrMobile</a:t>
-            </a:r>
-            <a:endParaRPr lang="en-GB" sz="1600" dirty="0"/>
-          </a:p>
-          <a:p>
-            <a:r>
-              <a:rPr lang="en-GB" sz="1600" dirty="0" err="1"/>
-              <a:t>DrPhone</a:t>
-            </a:r>
-            <a:endParaRPr lang="en-GB" sz="1600" dirty="0"/>
-          </a:p>
-          <a:p>
-            <a:r>
-              <a:rPr lang="en-GB" sz="1600" dirty="0" err="1"/>
-              <a:t>DrAddress</a:t>
-            </a:r>
-            <a:endParaRPr lang="en-GB" sz="1600" dirty="0"/>
-          </a:p>
-          <a:p>
-            <a:r>
-              <a:rPr lang="en-GB" sz="1600" dirty="0" err="1"/>
-              <a:t>TotalExperience</a:t>
-            </a:r>
-            <a:endParaRPr lang="en-GB" sz="1600" dirty="0"/>
-          </a:p>
-          <a:p>
-            <a:r>
-              <a:rPr lang="en-GB" sz="1600" dirty="0"/>
-              <a:t>Nationality</a:t>
-            </a:r>
-          </a:p>
-          <a:p>
-            <a:r>
-              <a:rPr lang="en-GB" sz="1600" dirty="0" err="1"/>
+              <a:rPr lang="en-GB" sz="1600" dirty="0" err="1" smtClean="0"/>
               <a:t>Specility</a:t>
             </a:r>
             <a:endParaRPr lang="en-GB" sz="1600" dirty="0"/>
@@ -8471,27 +8435,15 @@
           </a:p>
           <a:p>
             <a:r>
-              <a:rPr lang="en-GB" sz="1600" dirty="0"/>
+              <a:rPr lang="en-GB" sz="1600" dirty="0" smtClean="0"/>
               <a:t>Fee</a:t>
             </a:r>
-          </a:p>
-          <a:p>
-            <a:r>
-              <a:rPr lang="en-GB" sz="1600" dirty="0" smtClean="0"/>
-              <a:t>Availability</a:t>
-            </a:r>
-          </a:p>
-          <a:p>
-            <a:r>
-              <a:rPr lang="en-US" sz="1600" dirty="0" smtClean="0"/>
-              <a:t>Image</a:t>
-            </a:r>
-            <a:endParaRPr lang="en-GB" sz="1600" dirty="0"/>
-          </a:p>
-          <a:p>
-            <a:r>
-              <a:rPr lang="en-GB" sz="1600" dirty="0" err="1"/>
-              <a:t>DateOfUpdation</a:t>
+            <a:endParaRPr lang="en-GB" sz="1600" dirty="0" smtClean="0"/>
+          </a:p>
+          <a:p>
+            <a:r>
+              <a:rPr lang="en-US" sz="1600" dirty="0" err="1" smtClean="0"/>
+              <a:t>LastUpdate</a:t>
             </a:r>
             <a:endParaRPr lang="en-GB" sz="1600" dirty="0"/>
           </a:p>
@@ -8505,8 +8457,8 @@
         </p:nvSpPr>
         <p:spPr>
           <a:xfrm>
-            <a:off x="7122714" y="1285510"/>
-            <a:ext cx="2046850" cy="2415978"/>
+            <a:off x="4229550" y="4146323"/>
+            <a:ext cx="2046850" cy="891020"/>
           </a:xfrm>
           <a:prstGeom prst="rect">
             <a:avLst/>
@@ -8547,44 +8499,8 @@
           </a:p>
           <a:p>
             <a:r>
-              <a:rPr lang="en-GB" sz="1600" dirty="0"/>
-              <a:t>Name</a:t>
-            </a:r>
-          </a:p>
-          <a:p>
-            <a:r>
-              <a:rPr lang="en-GB" sz="1600" dirty="0"/>
-              <a:t>Mobile</a:t>
-            </a:r>
-          </a:p>
-          <a:p>
-            <a:r>
-              <a:rPr lang="en-GB" sz="1600" dirty="0"/>
-              <a:t>DOB</a:t>
-            </a:r>
-          </a:p>
-          <a:p>
-            <a:r>
-              <a:rPr lang="en-GB" sz="1600" dirty="0"/>
-              <a:t>Gender</a:t>
-            </a:r>
-          </a:p>
-          <a:p>
-            <a:r>
-              <a:rPr lang="en-GB" sz="1600" dirty="0"/>
-              <a:t>Nationality</a:t>
-            </a:r>
-          </a:p>
-          <a:p>
-            <a:r>
-              <a:rPr lang="en-GB" sz="1600" dirty="0"/>
-              <a:t>Address</a:t>
-            </a:r>
-          </a:p>
-          <a:p>
-            <a:r>
-              <a:rPr lang="en-GB" sz="1600" dirty="0" err="1"/>
-              <a:t>DateOfUpdation</a:t>
+              <a:rPr lang="en-GB" sz="1600" dirty="0" err="1" smtClean="0"/>
+              <a:t>LastUpdate</a:t>
             </a:r>
             <a:endParaRPr lang="en-GB" sz="1600" dirty="0"/>
           </a:p>
@@ -8598,7 +8514,7 @@
         </p:nvSpPr>
         <p:spPr>
           <a:xfrm>
-            <a:off x="9715450" y="1285510"/>
+            <a:off x="9019991" y="1306736"/>
             <a:ext cx="2152357" cy="1979879"/>
           </a:xfrm>
           <a:prstGeom prst="rect">
@@ -8682,7 +8598,7 @@
         </p:nvSpPr>
         <p:spPr>
           <a:xfrm>
-            <a:off x="9715450" y="3597962"/>
+            <a:off x="9019991" y="3597962"/>
             <a:ext cx="2152357" cy="3031588"/>
           </a:xfrm>
           <a:prstGeom prst="rect">
@@ -8790,8 +8706,8 @@
         </p:nvSpPr>
         <p:spPr>
           <a:xfrm>
-            <a:off x="7122714" y="3902299"/>
-            <a:ext cx="2046850" cy="2612033"/>
+            <a:off x="6708362" y="3597962"/>
+            <a:ext cx="2046850" cy="2892990"/>
           </a:xfrm>
           <a:prstGeom prst="rect">
             <a:avLst/>
@@ -8825,41 +8741,42 @@
           </a:p>
           <a:p>
             <a:r>
-              <a:rPr lang="en-GB" sz="1600" dirty="0" err="1"/>
+              <a:rPr lang="en-GB" sz="1600" dirty="0" err="1" smtClean="0"/>
               <a:t>FkDrId</a:t>
             </a:r>
+            <a:endParaRPr lang="en-GB" sz="1600" dirty="0" smtClean="0"/>
+          </a:p>
+          <a:p>
+            <a:r>
+              <a:rPr lang="en-GB" sz="1600" dirty="0" err="1" smtClean="0"/>
+              <a:t>AppoTime</a:t>
+            </a:r>
             <a:endParaRPr lang="en-GB" sz="1600" dirty="0"/>
           </a:p>
           <a:p>
             <a:r>
-              <a:rPr lang="en-GB" sz="1600" dirty="0" err="1"/>
+              <a:rPr lang="en-US" sz="1600" dirty="0" err="1" smtClean="0"/>
+              <a:t>IsPatientRegistered</a:t>
+            </a:r>
+            <a:endParaRPr lang="en-US" sz="1600" dirty="0" smtClean="0"/>
+          </a:p>
+          <a:p>
+            <a:r>
+              <a:rPr lang="en-GB" sz="1600" dirty="0" err="1" smtClean="0"/>
               <a:t>FKPatientID</a:t>
             </a:r>
+            <a:endParaRPr lang="en-US" sz="1600" dirty="0" smtClean="0"/>
+          </a:p>
+          <a:p>
+            <a:r>
+              <a:rPr lang="en-US" sz="1600" dirty="0" err="1" smtClean="0"/>
+              <a:t>PatientName</a:t>
+            </a:r>
             <a:endParaRPr lang="en-GB" sz="1600" dirty="0"/>
           </a:p>
           <a:p>
             <a:r>
-              <a:rPr lang="en-GB" sz="1600" dirty="0" err="1"/>
-              <a:t>FkComponderID</a:t>
-            </a:r>
-            <a:endParaRPr lang="en-GB" sz="1600" dirty="0"/>
-          </a:p>
-          <a:p>
-            <a:r>
-              <a:rPr lang="en-GB" sz="1600" dirty="0" err="1"/>
-              <a:t>AppoTime</a:t>
-            </a:r>
-            <a:endParaRPr lang="en-GB" sz="1600" dirty="0"/>
-          </a:p>
-          <a:p>
-            <a:r>
-              <a:rPr lang="en-GB" sz="1600" dirty="0"/>
-              <a:t>Location</a:t>
-            </a:r>
-          </a:p>
-          <a:p>
-            <a:r>
-              <a:rPr lang="en-GB" sz="1600" dirty="0" err="1"/>
+              <a:rPr lang="en-GB" sz="1600" dirty="0" err="1" smtClean="0"/>
               <a:t>IsNewPatient</a:t>
             </a:r>
             <a:endParaRPr lang="en-GB" sz="1600" dirty="0"/>
@@ -8874,15 +8791,25 @@
           <a:p>
             <a:r>
               <a:rPr lang="en-US" sz="1600" dirty="0" err="1" smtClean="0"/>
-              <a:t>IsPaid</a:t>
+              <a:t>PaidFee</a:t>
             </a:r>
             <a:endParaRPr lang="en-GB" sz="1600" dirty="0"/>
           </a:p>
           <a:p>
             <a:r>
-              <a:rPr lang="en-GB" sz="1600" dirty="0" err="1"/>
+              <a:rPr lang="en-US" sz="1600" dirty="0" smtClean="0"/>
+              <a:t>Status</a:t>
+            </a:r>
+            <a:endParaRPr lang="en-GB" sz="1600" dirty="0" smtClean="0"/>
+          </a:p>
+          <a:p>
+            <a:r>
+              <a:rPr lang="en-GB" sz="1600" dirty="0" err="1" smtClean="0"/>
               <a:t>TimeStamp</a:t>
             </a:r>
+            <a:endParaRPr lang="en-GB" sz="1600" dirty="0" smtClean="0"/>
+          </a:p>
+          <a:p>
             <a:endParaRPr lang="en-GB" sz="1600" dirty="0"/>
           </a:p>
         </p:txBody>
@@ -8895,7 +8822,7 @@
         </p:nvSpPr>
         <p:spPr>
           <a:xfrm>
-            <a:off x="1762076" y="4490203"/>
+            <a:off x="1964385" y="1285510"/>
             <a:ext cx="2009056" cy="2024130"/>
           </a:xfrm>
           <a:prstGeom prst="rect">
@@ -8949,8 +8876,19 @@
           </a:p>
           <a:p>
             <a:r>
+              <a:rPr lang="en-US" sz="1600" dirty="0" err="1" smtClean="0"/>
+              <a:t>UserType</a:t>
+            </a:r>
+            <a:endParaRPr lang="en-US" sz="1600" dirty="0" smtClean="0"/>
+          </a:p>
+          <a:p>
+            <a:r>
               <a:rPr lang="en-US" sz="1600" dirty="0" smtClean="0"/>
-              <a:t>Registration Date</a:t>
+              <a:t>Registration </a:t>
+            </a:r>
+            <a:r>
+              <a:rPr lang="en-US" sz="1600" dirty="0" smtClean="0"/>
+              <a:t>Date</a:t>
             </a:r>
           </a:p>
           <a:p>
@@ -8964,6 +8902,90 @@
             <a:r>
               <a:rPr lang="en-US" sz="1600" dirty="0" err="1" smtClean="0"/>
               <a:t>isPaid</a:t>
+            </a:r>
+            <a:endParaRPr lang="en-US" sz="1600" dirty="0" smtClean="0"/>
+          </a:p>
+        </p:txBody>
+      </p:sp>
+      <p:sp>
+        <p:nvSpPr>
+          <p:cNvPr id="14" name="Rectangle 13"/>
+          <p:cNvSpPr/>
+          <p:nvPr/>
+        </p:nvSpPr>
+        <p:spPr>
+          <a:xfrm>
+            <a:off x="6697711" y="1306736"/>
+            <a:ext cx="2057501" cy="2020967"/>
+          </a:xfrm>
+          <a:prstGeom prst="rect">
+            <a:avLst/>
+          </a:prstGeom>
+        </p:spPr>
+        <p:style>
+          <a:lnRef idx="2">
+            <a:schemeClr val="accent1">
+              <a:shade val="50000"/>
+            </a:schemeClr>
+          </a:lnRef>
+          <a:fillRef idx="1">
+            <a:schemeClr val="accent1"/>
+          </a:fillRef>
+          <a:effectRef idx="0">
+            <a:schemeClr val="accent1"/>
+          </a:effectRef>
+          <a:fontRef idx="minor">
+            <a:schemeClr val="lt1"/>
+          </a:fontRef>
+        </p:style>
+        <p:txBody>
+          <a:bodyPr rtlCol="0" anchor="ctr"/>
+          <a:lstStyle/>
+          <a:p>
+            <a:r>
+              <a:rPr lang="en-US" sz="1600" dirty="0" err="1" smtClean="0"/>
+              <a:t>FKDrID</a:t>
+            </a:r>
+            <a:endParaRPr lang="en-US" sz="1600" dirty="0" smtClean="0"/>
+          </a:p>
+          <a:p>
+            <a:r>
+              <a:rPr lang="en-US" sz="1600" dirty="0" smtClean="0"/>
+              <a:t>Date</a:t>
+            </a:r>
+          </a:p>
+          <a:p>
+            <a:r>
+              <a:rPr lang="en-US" sz="1600" dirty="0" err="1" smtClean="0"/>
+              <a:t>Availablity</a:t>
+            </a:r>
+            <a:endParaRPr lang="en-US" sz="1600" dirty="0" smtClean="0"/>
+          </a:p>
+          <a:p>
+            <a:r>
+              <a:rPr lang="en-US" sz="1600" dirty="0" err="1" smtClean="0"/>
+              <a:t>AvailableLocation</a:t>
+            </a:r>
+            <a:endParaRPr lang="en-GB" sz="1600" dirty="0"/>
+          </a:p>
+          <a:p>
+            <a:r>
+              <a:rPr lang="en-US" sz="1600" dirty="0" err="1" smtClean="0"/>
+              <a:t>NewPQueueSize</a:t>
+            </a:r>
+            <a:endParaRPr lang="en-US" sz="1600" dirty="0" smtClean="0"/>
+          </a:p>
+          <a:p>
+            <a:r>
+              <a:rPr lang="en-US" sz="1600" dirty="0" err="1" smtClean="0"/>
+              <a:t>OldPQueueSize</a:t>
+            </a:r>
+            <a:endParaRPr lang="en-US" sz="1600" dirty="0" smtClean="0"/>
+          </a:p>
+          <a:p>
+            <a:r>
+              <a:rPr lang="en-US" sz="1600" dirty="0" err="1" smtClean="0"/>
+              <a:t>LastUpdate</a:t>
             </a:r>
             <a:endParaRPr lang="en-US" sz="1600" dirty="0" smtClean="0"/>
           </a:p>

--- a/docs/ABS.pptx
+++ b/docs/ABS.pptx
@@ -8,7 +8,8 @@
     <p:sldId id="256" r:id="rId2"/>
     <p:sldId id="257" r:id="rId3"/>
     <p:sldId id="258" r:id="rId4"/>
-    <p:sldId id="259" r:id="rId5"/>
+    <p:sldId id="260" r:id="rId5"/>
+    <p:sldId id="259" r:id="rId6"/>
   </p:sldIdLst>
   <p:sldSz cx="12192000" cy="6858000"/>
   <p:notesSz cx="6858000" cy="9144000"/>
@@ -8211,19 +8212,21 @@
         </p:nvSpPr>
         <p:spPr>
           <a:xfrm>
-            <a:off x="1762076" y="595975"/>
-            <a:ext cx="8911687" cy="689535"/>
-          </a:xfrm>
-        </p:spPr>
-        <p:txBody>
-          <a:bodyPr/>
+            <a:off x="1582111" y="751771"/>
+            <a:ext cx="8911687" cy="425209"/>
+          </a:xfrm>
+        </p:spPr>
+        <p:txBody>
+          <a:bodyPr>
+            <a:normAutofit fontScale="90000"/>
+          </a:bodyPr>
           <a:lstStyle/>
           <a:p>
             <a:r>
-              <a:rPr lang="en-US" dirty="0" smtClean="0"/>
+              <a:rPr lang="en-US" sz="2400" dirty="0" smtClean="0"/>
               <a:t>Database</a:t>
             </a:r>
-            <a:endParaRPr lang="en-GB" dirty="0"/>
+            <a:endParaRPr lang="en-GB" sz="2400" dirty="0"/>
           </a:p>
         </p:txBody>
       </p:sp>
@@ -8235,8 +8238,8 @@
         </p:nvSpPr>
         <p:spPr>
           <a:xfrm>
-            <a:off x="1958276" y="3443415"/>
-            <a:ext cx="2009056" cy="2957385"/>
+            <a:off x="1436351" y="4031760"/>
+            <a:ext cx="2009056" cy="2699807"/>
           </a:xfrm>
           <a:prstGeom prst="rect">
             <a:avLst/>
@@ -8263,84 +8266,80 @@
           <a:lstStyle/>
           <a:p>
             <a:r>
-              <a:rPr lang="en-US" sz="1600" dirty="0" err="1" smtClean="0"/>
-              <a:t>Patient</a:t>
-            </a:r>
-            <a:r>
-              <a:rPr lang="en-US" sz="1600" dirty="0" err="1" smtClean="0"/>
-              <a:t>ID</a:t>
-            </a:r>
-            <a:endParaRPr lang="en-US" sz="1600" dirty="0" smtClean="0"/>
-          </a:p>
-          <a:p>
-            <a:r>
-              <a:rPr lang="en-US" sz="1600" dirty="0" err="1" smtClean="0"/>
-              <a:t>FKRegisterationID</a:t>
-            </a:r>
-            <a:endParaRPr lang="en-US" sz="1600" dirty="0" smtClean="0"/>
-          </a:p>
-          <a:p>
-            <a:r>
-              <a:rPr lang="en-US" sz="1600" dirty="0" smtClean="0"/>
+              <a:rPr lang="en-US" sz="1400" dirty="0" err="1" smtClean="0"/>
+              <a:t>UserID</a:t>
+            </a:r>
+            <a:endParaRPr lang="en-US" sz="1400" dirty="0" smtClean="0"/>
+          </a:p>
+          <a:p>
+            <a:r>
+              <a:rPr lang="en-US" sz="1400" dirty="0" err="1" smtClean="0"/>
+              <a:t>FKRegistrationID</a:t>
+            </a:r>
+            <a:endParaRPr lang="en-US" sz="1400" dirty="0" smtClean="0"/>
+          </a:p>
+          <a:p>
+            <a:r>
+              <a:rPr lang="en-US" sz="1400" dirty="0" smtClean="0"/>
               <a:t>Name</a:t>
             </a:r>
           </a:p>
           <a:p>
             <a:r>
-              <a:rPr lang="en-US" sz="1600" dirty="0" smtClean="0"/>
+              <a:rPr lang="en-US" sz="1400" dirty="0" smtClean="0"/>
               <a:t>Gender</a:t>
             </a:r>
           </a:p>
           <a:p>
             <a:r>
-              <a:rPr lang="en-US" sz="1600" dirty="0" smtClean="0"/>
+              <a:rPr lang="en-US" sz="1400" dirty="0" smtClean="0"/>
               <a:t>Address</a:t>
             </a:r>
           </a:p>
           <a:p>
             <a:r>
-              <a:rPr lang="en-US" sz="1600" dirty="0" smtClean="0"/>
+              <a:rPr lang="en-US" sz="1400" dirty="0" smtClean="0"/>
               <a:t>PIN</a:t>
             </a:r>
           </a:p>
           <a:p>
             <a:r>
-              <a:rPr lang="en-US" sz="1600" dirty="0" smtClean="0"/>
+              <a:rPr lang="en-US" sz="1400" dirty="0" smtClean="0"/>
               <a:t>Email</a:t>
             </a:r>
           </a:p>
           <a:p>
             <a:r>
-              <a:rPr lang="en-US" sz="1600" dirty="0" smtClean="0"/>
+              <a:rPr lang="en-US" sz="1400" dirty="0" smtClean="0"/>
               <a:t>DOB</a:t>
             </a:r>
           </a:p>
           <a:p>
             <a:r>
-              <a:rPr lang="en-US" sz="1600" dirty="0" err="1" smtClean="0"/>
+              <a:rPr lang="en-US" sz="1400" dirty="0" err="1" smtClean="0"/>
               <a:t>OtherContact</a:t>
             </a:r>
-            <a:endParaRPr lang="en-US" sz="1600" dirty="0" smtClean="0"/>
-          </a:p>
-          <a:p>
-            <a:r>
-              <a:rPr lang="en-US" sz="1600" dirty="0" smtClean="0"/>
+            <a:endParaRPr lang="en-US" sz="1400" dirty="0" smtClean="0"/>
+          </a:p>
+          <a:p>
+            <a:r>
+              <a:rPr lang="en-US" sz="1400" dirty="0" smtClean="0"/>
               <a:t>Image</a:t>
             </a:r>
           </a:p>
           <a:p>
             <a:r>
-              <a:rPr lang="en-US" sz="1600" dirty="0" err="1" smtClean="0"/>
+              <a:rPr lang="en-US" sz="1400" dirty="0" err="1" smtClean="0"/>
               <a:t>LastUpdate</a:t>
             </a:r>
-            <a:endParaRPr lang="en-US" sz="1600" dirty="0" smtClean="0"/>
-          </a:p>
-          <a:p>
-            <a:r>
-              <a:rPr lang="en-US" sz="1600" dirty="0" smtClean="0"/>
+            <a:endParaRPr lang="en-US" sz="1400" dirty="0" smtClean="0"/>
+          </a:p>
+          <a:p>
+            <a:r>
+              <a:rPr lang="en-US" sz="1400" dirty="0" smtClean="0"/>
               <a:t>Status</a:t>
             </a:r>
-            <a:endParaRPr lang="en-GB" sz="1600" dirty="0"/>
+            <a:endParaRPr lang="en-GB" sz="1400" dirty="0"/>
           </a:p>
         </p:txBody>
       </p:sp>
@@ -8352,8 +8351,8 @@
         </p:nvSpPr>
         <p:spPr>
           <a:xfrm>
-            <a:off x="4218899" y="1285510"/>
-            <a:ext cx="2057501" cy="2616788"/>
+            <a:off x="4113820" y="1537501"/>
+            <a:ext cx="2057501" cy="2242270"/>
           </a:xfrm>
           <a:prstGeom prst="rect">
             <a:avLst/>
@@ -8380,72 +8379,71 @@
           <a:lstStyle/>
           <a:p>
             <a:r>
-              <a:rPr lang="en-GB" sz="1600" dirty="0" err="1" smtClean="0"/>
+              <a:rPr lang="en-GB" sz="1400" dirty="0" err="1" smtClean="0"/>
               <a:t>DrID</a:t>
             </a:r>
-            <a:endParaRPr lang="en-GB" sz="1600" dirty="0" smtClean="0"/>
-          </a:p>
-          <a:p>
-            <a:r>
-              <a:rPr lang="en-US" sz="1600" dirty="0" err="1" smtClean="0"/>
-              <a:t>FKRegisterationID</a:t>
-            </a:r>
-            <a:endParaRPr lang="en-GB" sz="1600" dirty="0"/>
-          </a:p>
-          <a:p>
-            <a:r>
-              <a:rPr lang="en-GB" sz="1600" dirty="0" err="1"/>
+            <a:endParaRPr lang="en-US" sz="1400" dirty="0" smtClean="0"/>
+          </a:p>
+          <a:p>
+            <a:r>
+              <a:rPr lang="en-US" sz="1400" dirty="0" err="1" smtClean="0"/>
+              <a:t>FKUserID</a:t>
+            </a:r>
+            <a:endParaRPr lang="en-GB" sz="1400" dirty="0"/>
+          </a:p>
+          <a:p>
+            <a:r>
+              <a:rPr lang="en-GB" sz="1400" dirty="0" err="1"/>
               <a:t>DrRegNo</a:t>
             </a:r>
-            <a:endParaRPr lang="en-GB" sz="1600" dirty="0"/>
-          </a:p>
-          <a:p>
-            <a:r>
-              <a:rPr lang="en-GB" sz="1600" dirty="0" err="1" smtClean="0"/>
+            <a:endParaRPr lang="en-GB" sz="1400" dirty="0"/>
+          </a:p>
+          <a:p>
+            <a:r>
+              <a:rPr lang="en-GB" sz="1400" dirty="0" err="1" smtClean="0"/>
               <a:t>TotalExperience</a:t>
             </a:r>
-            <a:endParaRPr lang="en-GB" sz="1600" dirty="0"/>
-          </a:p>
-          <a:p>
-            <a:r>
-              <a:rPr lang="en-GB" sz="1600" dirty="0" err="1" smtClean="0"/>
+            <a:endParaRPr lang="en-GB" sz="1400" dirty="0"/>
+          </a:p>
+          <a:p>
+            <a:r>
+              <a:rPr lang="en-GB" sz="1400" dirty="0" err="1" smtClean="0"/>
               <a:t>Specility</a:t>
             </a:r>
-            <a:endParaRPr lang="en-GB" sz="1600" dirty="0"/>
-          </a:p>
-          <a:p>
-            <a:r>
-              <a:rPr lang="en-GB" sz="1600" dirty="0"/>
+            <a:endParaRPr lang="en-GB" sz="1400" dirty="0"/>
+          </a:p>
+          <a:p>
+            <a:r>
+              <a:rPr lang="en-GB" sz="1400" dirty="0" smtClean="0"/>
               <a:t>Place</a:t>
             </a:r>
           </a:p>
           <a:p>
             <a:r>
-              <a:rPr lang="en-GB" sz="1600" dirty="0" err="1"/>
+              <a:rPr lang="en-GB" sz="1400" dirty="0" err="1" smtClean="0"/>
               <a:t>DocLatitude</a:t>
             </a:r>
-            <a:endParaRPr lang="en-GB" sz="1600" dirty="0"/>
-          </a:p>
-          <a:p>
-            <a:r>
-              <a:rPr lang="en-GB" sz="1600" dirty="0" err="1"/>
+            <a:endParaRPr lang="en-GB" sz="1400" dirty="0" smtClean="0"/>
+          </a:p>
+          <a:p>
+            <a:r>
+              <a:rPr lang="en-GB" sz="1400" dirty="0" err="1" smtClean="0"/>
               <a:t>DocLongitude</a:t>
             </a:r>
-            <a:endParaRPr lang="en-GB" sz="1600" dirty="0"/>
-          </a:p>
-          <a:p>
-            <a:r>
-              <a:rPr lang="en-GB" sz="1600" dirty="0" smtClean="0"/>
+            <a:endParaRPr lang="en-GB" sz="1400" dirty="0" smtClean="0"/>
+          </a:p>
+          <a:p>
+            <a:r>
+              <a:rPr lang="en-GB" sz="1400" dirty="0" smtClean="0"/>
               <a:t>Fee</a:t>
             </a:r>
-            <a:endParaRPr lang="en-GB" sz="1600" dirty="0" smtClean="0"/>
-          </a:p>
-          <a:p>
-            <a:r>
-              <a:rPr lang="en-US" sz="1600" dirty="0" err="1" smtClean="0"/>
-              <a:t>LastUpdate</a:t>
-            </a:r>
-            <a:endParaRPr lang="en-GB" sz="1600" dirty="0"/>
+            <a:endParaRPr lang="en-GB" sz="1400" dirty="0" smtClean="0"/>
+          </a:p>
+          <a:p>
+            <a:r>
+              <a:rPr lang="en-US" sz="1400" dirty="0" smtClean="0"/>
+              <a:t>Status</a:t>
+            </a:r>
           </a:p>
         </p:txBody>
       </p:sp>
@@ -8457,7 +8455,7 @@
         </p:nvSpPr>
         <p:spPr>
           <a:xfrm>
-            <a:off x="4229550" y="4146323"/>
+            <a:off x="4113639" y="5840547"/>
             <a:ext cx="2046850" cy="891020"/>
           </a:xfrm>
           <a:prstGeom prst="rect">
@@ -8485,24 +8483,24 @@
           <a:lstStyle/>
           <a:p>
             <a:r>
-              <a:rPr lang="en-GB" sz="1600" dirty="0" err="1" smtClean="0"/>
+              <a:rPr lang="en-GB" sz="1400" dirty="0" err="1" smtClean="0"/>
               <a:t>ComponderId</a:t>
             </a:r>
-            <a:endParaRPr lang="en-GB" sz="1600" dirty="0" smtClean="0"/>
-          </a:p>
-          <a:p>
-            <a:r>
-              <a:rPr lang="en-US" sz="1600" dirty="0" err="1" smtClean="0"/>
+            <a:endParaRPr lang="en-GB" sz="1400" dirty="0" smtClean="0"/>
+          </a:p>
+          <a:p>
+            <a:r>
+              <a:rPr lang="en-US" sz="1400" dirty="0" err="1" smtClean="0"/>
               <a:t>FkDrID</a:t>
             </a:r>
-            <a:endParaRPr lang="en-GB" sz="1600" dirty="0"/>
-          </a:p>
-          <a:p>
-            <a:r>
-              <a:rPr lang="en-GB" sz="1600" dirty="0" err="1" smtClean="0"/>
+            <a:endParaRPr lang="en-GB" sz="1400" dirty="0"/>
+          </a:p>
+          <a:p>
+            <a:r>
+              <a:rPr lang="en-GB" sz="1400" dirty="0" err="1" smtClean="0"/>
               <a:t>LastUpdate</a:t>
             </a:r>
-            <a:endParaRPr lang="en-GB" sz="1600" dirty="0"/>
+            <a:endParaRPr lang="en-GB" sz="1400" dirty="0"/>
           </a:p>
         </p:txBody>
       </p:sp>
@@ -8514,8 +8512,8 @@
         </p:nvSpPr>
         <p:spPr>
           <a:xfrm>
-            <a:off x="9019991" y="1306736"/>
-            <a:ext cx="2152357" cy="1979879"/>
+            <a:off x="9417619" y="1602950"/>
+            <a:ext cx="2152357" cy="1573725"/>
           </a:xfrm>
           <a:prstGeom prst="rect">
             <a:avLst/>
@@ -8542,51 +8540,51 @@
           <a:lstStyle/>
           <a:p>
             <a:r>
-              <a:rPr lang="en-GB" sz="1600" dirty="0" err="1"/>
+              <a:rPr lang="en-GB" sz="1400" dirty="0" err="1"/>
               <a:t>FkDrID</a:t>
             </a:r>
-            <a:endParaRPr lang="en-GB" sz="1600" dirty="0"/>
-          </a:p>
-          <a:p>
-            <a:r>
-              <a:rPr lang="en-GB" sz="1600" dirty="0"/>
+            <a:endParaRPr lang="en-GB" sz="1400" dirty="0"/>
+          </a:p>
+          <a:p>
+            <a:r>
+              <a:rPr lang="en-GB" sz="1400" dirty="0"/>
               <a:t>Degree </a:t>
             </a:r>
           </a:p>
           <a:p>
             <a:r>
-              <a:rPr lang="en-GB" sz="1600" dirty="0" err="1"/>
+              <a:rPr lang="en-GB" sz="1400" dirty="0" err="1"/>
               <a:t>CollegeName</a:t>
             </a:r>
-            <a:endParaRPr lang="en-GB" sz="1600" dirty="0"/>
-          </a:p>
-          <a:p>
-            <a:r>
-              <a:rPr lang="en-GB" sz="1600" dirty="0" err="1"/>
+            <a:endParaRPr lang="en-GB" sz="1400" dirty="0"/>
+          </a:p>
+          <a:p>
+            <a:r>
+              <a:rPr lang="en-GB" sz="1400" dirty="0" err="1"/>
               <a:t>CollegeLocation</a:t>
             </a:r>
-            <a:endParaRPr lang="en-GB" sz="1600" dirty="0"/>
-          </a:p>
-          <a:p>
-            <a:r>
-              <a:rPr lang="en-GB" sz="1600" dirty="0" err="1"/>
+            <a:endParaRPr lang="en-GB" sz="1400" dirty="0"/>
+          </a:p>
+          <a:p>
+            <a:r>
+              <a:rPr lang="en-GB" sz="1400" dirty="0" err="1"/>
               <a:t>CollegeCountry</a:t>
             </a:r>
-            <a:endParaRPr lang="en-GB" sz="1600" dirty="0"/>
-          </a:p>
-          <a:p>
-            <a:r>
-              <a:rPr lang="en-GB" sz="1600" dirty="0" err="1"/>
+            <a:endParaRPr lang="en-GB" sz="1400" dirty="0"/>
+          </a:p>
+          <a:p>
+            <a:r>
+              <a:rPr lang="en-GB" sz="1400" dirty="0" err="1"/>
               <a:t>IsHeighestDegree</a:t>
             </a:r>
-            <a:endParaRPr lang="en-GB" sz="1600" dirty="0"/>
-          </a:p>
-          <a:p>
-            <a:r>
-              <a:rPr lang="en-GB" sz="1600" dirty="0" err="1"/>
+            <a:endParaRPr lang="en-GB" sz="1400" dirty="0"/>
+          </a:p>
+          <a:p>
+            <a:r>
+              <a:rPr lang="en-GB" sz="1400" dirty="0" err="1"/>
               <a:t>DateOfUpdation</a:t>
             </a:r>
-            <a:endParaRPr lang="en-GB" sz="1600" dirty="0"/>
+            <a:endParaRPr lang="en-GB" sz="1400" dirty="0"/>
           </a:p>
         </p:txBody>
       </p:sp>
@@ -8598,8 +8596,8 @@
         </p:nvSpPr>
         <p:spPr>
           <a:xfrm>
-            <a:off x="9019991" y="3597962"/>
-            <a:ext cx="2152357" cy="3031588"/>
+            <a:off x="9417620" y="4220431"/>
+            <a:ext cx="2152357" cy="2366643"/>
           </a:xfrm>
           <a:prstGeom prst="rect">
             <a:avLst/>
@@ -8626,75 +8624,75 @@
           <a:lstStyle/>
           <a:p>
             <a:r>
-              <a:rPr lang="en-GB" sz="1600" dirty="0" err="1"/>
+              <a:rPr lang="en-GB" sz="1400" dirty="0" err="1"/>
               <a:t>FkPatientID</a:t>
             </a:r>
-            <a:endParaRPr lang="en-GB" sz="1600" dirty="0"/>
-          </a:p>
-          <a:p>
-            <a:r>
-              <a:rPr lang="en-GB" sz="1600" dirty="0" err="1"/>
+            <a:endParaRPr lang="en-GB" sz="1400" dirty="0"/>
+          </a:p>
+          <a:p>
+            <a:r>
+              <a:rPr lang="en-GB" sz="1400" dirty="0" err="1"/>
               <a:t>FkDrID</a:t>
             </a:r>
-            <a:endParaRPr lang="en-GB" sz="1600" dirty="0"/>
-          </a:p>
-          <a:p>
-            <a:r>
-              <a:rPr lang="en-GB" sz="1600" dirty="0" err="1"/>
+            <a:endParaRPr lang="en-GB" sz="1400" dirty="0"/>
+          </a:p>
+          <a:p>
+            <a:r>
+              <a:rPr lang="en-GB" sz="1400" dirty="0" err="1"/>
               <a:t>DateOfVisit</a:t>
             </a:r>
-            <a:endParaRPr lang="en-GB" sz="1600" dirty="0"/>
-          </a:p>
-          <a:p>
-            <a:r>
-              <a:rPr lang="en-GB" sz="1600" dirty="0"/>
+            <a:endParaRPr lang="en-GB" sz="1400" dirty="0"/>
+          </a:p>
+          <a:p>
+            <a:r>
+              <a:rPr lang="en-GB" sz="1400" dirty="0"/>
               <a:t>Location</a:t>
             </a:r>
           </a:p>
           <a:p>
             <a:r>
-              <a:rPr lang="en-GB" sz="1600" dirty="0"/>
+              <a:rPr lang="en-GB" sz="1400" dirty="0"/>
               <a:t>Symptoms</a:t>
             </a:r>
           </a:p>
           <a:p>
             <a:r>
-              <a:rPr lang="en-GB" sz="1600" dirty="0"/>
+              <a:rPr lang="en-GB" sz="1400" dirty="0"/>
               <a:t>Subscription</a:t>
             </a:r>
           </a:p>
           <a:p>
             <a:r>
-              <a:rPr lang="en-GB" sz="1600" dirty="0" err="1"/>
+              <a:rPr lang="en-GB" sz="1400" dirty="0" err="1"/>
               <a:t>Desc</a:t>
             </a:r>
-            <a:endParaRPr lang="en-GB" sz="1600" dirty="0"/>
-          </a:p>
-          <a:p>
-            <a:r>
-              <a:rPr lang="en-GB" sz="1600" dirty="0" err="1"/>
+            <a:endParaRPr lang="en-GB" sz="1400" dirty="0"/>
+          </a:p>
+          <a:p>
+            <a:r>
+              <a:rPr lang="en-GB" sz="1400" dirty="0" err="1"/>
               <a:t>MedicinePriceTotal</a:t>
             </a:r>
-            <a:endParaRPr lang="en-GB" sz="1600" dirty="0"/>
-          </a:p>
-          <a:p>
-            <a:r>
-              <a:rPr lang="en-GB" sz="1600" dirty="0"/>
+            <a:endParaRPr lang="en-GB" sz="1400" dirty="0"/>
+          </a:p>
+          <a:p>
+            <a:r>
+              <a:rPr lang="en-GB" sz="1400" dirty="0"/>
               <a:t>Charge</a:t>
             </a:r>
           </a:p>
           <a:p>
             <a:r>
-              <a:rPr lang="en-GB" sz="1600" dirty="0"/>
+              <a:rPr lang="en-GB" sz="1400" dirty="0"/>
               <a:t>Medicine</a:t>
             </a:r>
           </a:p>
           <a:p>
             <a:r>
-              <a:rPr lang="en-GB" sz="1600" dirty="0" err="1"/>
+              <a:rPr lang="en-GB" sz="1400" dirty="0" err="1"/>
               <a:t>TimeStamp</a:t>
             </a:r>
-            <a:endParaRPr lang="en-GB" sz="1600" dirty="0"/>
+            <a:endParaRPr lang="en-GB" sz="1400" dirty="0"/>
           </a:p>
         </p:txBody>
       </p:sp>
@@ -8706,8 +8704,8 @@
         </p:nvSpPr>
         <p:spPr>
           <a:xfrm>
-            <a:off x="6708362" y="3597962"/>
-            <a:ext cx="2046850" cy="2892990"/>
+            <a:off x="6786778" y="4045559"/>
+            <a:ext cx="2046850" cy="2686007"/>
           </a:xfrm>
           <a:prstGeom prst="rect">
             <a:avLst/>
@@ -8734,83 +8732,87 @@
           <a:lstStyle/>
           <a:p>
             <a:r>
-              <a:rPr lang="en-GB" sz="1600" dirty="0" err="1"/>
+              <a:rPr lang="en-GB" sz="1400" dirty="0" err="1"/>
               <a:t>AppoId</a:t>
             </a:r>
-            <a:endParaRPr lang="en-GB" sz="1600" dirty="0"/>
-          </a:p>
-          <a:p>
-            <a:r>
-              <a:rPr lang="en-GB" sz="1600" dirty="0" err="1" smtClean="0"/>
+            <a:endParaRPr lang="en-GB" sz="1400" dirty="0"/>
+          </a:p>
+          <a:p>
+            <a:r>
+              <a:rPr lang="en-GB" sz="1400" dirty="0" err="1" smtClean="0"/>
               <a:t>FkDrId</a:t>
             </a:r>
-            <a:endParaRPr lang="en-GB" sz="1600" dirty="0" smtClean="0"/>
-          </a:p>
-          <a:p>
-            <a:r>
-              <a:rPr lang="en-GB" sz="1600" dirty="0" err="1" smtClean="0"/>
+            <a:endParaRPr lang="en-GB" sz="1400" dirty="0" smtClean="0"/>
+          </a:p>
+          <a:p>
+            <a:r>
+              <a:rPr lang="en-GB" sz="1400" dirty="0" err="1" smtClean="0"/>
+              <a:t>FKPatientID</a:t>
+            </a:r>
+            <a:endParaRPr lang="en-GB" sz="1400" dirty="0" smtClean="0"/>
+          </a:p>
+          <a:p>
+            <a:r>
+              <a:rPr lang="en-GB" sz="1400" dirty="0" err="1" smtClean="0"/>
+              <a:t>AppoDate</a:t>
+            </a:r>
+            <a:endParaRPr lang="en-GB" sz="1400" dirty="0" smtClean="0"/>
+          </a:p>
+          <a:p>
+            <a:r>
+              <a:rPr lang="en-US" sz="1400" dirty="0" err="1" smtClean="0"/>
               <a:t>AppoTime</a:t>
             </a:r>
-            <a:endParaRPr lang="en-GB" sz="1600" dirty="0"/>
-          </a:p>
-          <a:p>
-            <a:r>
-              <a:rPr lang="en-US" sz="1600" dirty="0" err="1" smtClean="0"/>
+            <a:endParaRPr lang="en-GB" sz="1400" dirty="0"/>
+          </a:p>
+          <a:p>
+            <a:r>
+              <a:rPr lang="en-US" sz="1400" dirty="0" err="1" smtClean="0"/>
               <a:t>IsPatientRegistered</a:t>
             </a:r>
-            <a:endParaRPr lang="en-US" sz="1600" dirty="0" smtClean="0"/>
-          </a:p>
-          <a:p>
-            <a:r>
-              <a:rPr lang="en-GB" sz="1600" dirty="0" err="1" smtClean="0"/>
-              <a:t>FKPatientID</a:t>
-            </a:r>
-            <a:endParaRPr lang="en-US" sz="1600" dirty="0" smtClean="0"/>
-          </a:p>
-          <a:p>
-            <a:r>
-              <a:rPr lang="en-US" sz="1600" dirty="0" err="1" smtClean="0"/>
+            <a:endParaRPr lang="en-US" sz="1400" dirty="0" smtClean="0"/>
+          </a:p>
+          <a:p>
+            <a:r>
+              <a:rPr lang="en-US" sz="1400" dirty="0" err="1" smtClean="0"/>
               <a:t>PatientName</a:t>
             </a:r>
-            <a:endParaRPr lang="en-GB" sz="1600" dirty="0"/>
-          </a:p>
-          <a:p>
-            <a:r>
-              <a:rPr lang="en-GB" sz="1600" dirty="0" err="1" smtClean="0"/>
+            <a:endParaRPr lang="en-GB" sz="1400" dirty="0"/>
+          </a:p>
+          <a:p>
+            <a:r>
+              <a:rPr lang="en-GB" sz="1400" dirty="0" err="1" smtClean="0"/>
               <a:t>IsNewPatient</a:t>
             </a:r>
-            <a:endParaRPr lang="en-GB" sz="1600" dirty="0"/>
-          </a:p>
-          <a:p>
-            <a:r>
-              <a:rPr lang="en-GB" sz="1600" dirty="0" err="1" smtClean="0"/>
+            <a:endParaRPr lang="en-GB" sz="1400" dirty="0"/>
+          </a:p>
+          <a:p>
+            <a:r>
+              <a:rPr lang="en-GB" sz="1400" dirty="0" err="1" smtClean="0"/>
               <a:t>DoctorFee</a:t>
             </a:r>
-            <a:endParaRPr lang="en-GB" sz="1600" dirty="0" smtClean="0"/>
-          </a:p>
-          <a:p>
-            <a:r>
-              <a:rPr lang="en-US" sz="1600" dirty="0" err="1" smtClean="0"/>
+            <a:endParaRPr lang="en-GB" sz="1400" dirty="0" smtClean="0"/>
+          </a:p>
+          <a:p>
+            <a:r>
+              <a:rPr lang="en-US" sz="1400" dirty="0" err="1" smtClean="0"/>
               <a:t>PaidFee</a:t>
             </a:r>
-            <a:endParaRPr lang="en-GB" sz="1600" dirty="0"/>
-          </a:p>
-          <a:p>
-            <a:r>
-              <a:rPr lang="en-US" sz="1600" dirty="0" smtClean="0"/>
+            <a:endParaRPr lang="en-GB" sz="1400" dirty="0"/>
+          </a:p>
+          <a:p>
+            <a:r>
+              <a:rPr lang="en-US" sz="1400" dirty="0" smtClean="0"/>
               <a:t>Status</a:t>
             </a:r>
-            <a:endParaRPr lang="en-GB" sz="1600" dirty="0" smtClean="0"/>
-          </a:p>
-          <a:p>
-            <a:r>
-              <a:rPr lang="en-GB" sz="1600" dirty="0" err="1" smtClean="0"/>
+            <a:endParaRPr lang="en-GB" sz="1400" dirty="0" smtClean="0"/>
+          </a:p>
+          <a:p>
+            <a:r>
+              <a:rPr lang="en-GB" sz="1400" dirty="0" err="1" smtClean="0"/>
               <a:t>TimeStamp</a:t>
             </a:r>
-            <a:endParaRPr lang="en-GB" sz="1600" dirty="0" smtClean="0"/>
-          </a:p>
-          <a:p>
-            <a:endParaRPr lang="en-GB" sz="1600" dirty="0"/>
+            <a:endParaRPr lang="en-GB" sz="1400" dirty="0" smtClean="0"/>
           </a:p>
         </p:txBody>
       </p:sp>
@@ -8822,8 +8824,8 @@
         </p:nvSpPr>
         <p:spPr>
           <a:xfrm>
-            <a:off x="1964385" y="1285510"/>
-            <a:ext cx="2009056" cy="2024130"/>
+            <a:off x="1436351" y="1545464"/>
+            <a:ext cx="2009056" cy="1851787"/>
           </a:xfrm>
           <a:prstGeom prst="rect">
             <a:avLst/>
@@ -8850,60 +8852,58 @@
           <a:lstStyle/>
           <a:p>
             <a:r>
-              <a:rPr lang="en-US" sz="1600" dirty="0" err="1" smtClean="0"/>
+              <a:rPr lang="en-US" sz="1400" dirty="0" err="1" smtClean="0"/>
               <a:t>RegisterationID</a:t>
             </a:r>
-            <a:endParaRPr lang="en-US" sz="1600" dirty="0" smtClean="0"/>
-          </a:p>
-          <a:p>
-            <a:r>
-              <a:rPr lang="en-US" sz="1600" dirty="0" err="1" smtClean="0"/>
+            <a:endParaRPr lang="en-US" sz="1400" dirty="0" smtClean="0"/>
+          </a:p>
+          <a:p>
+            <a:r>
+              <a:rPr lang="en-US" sz="1400" dirty="0" err="1" smtClean="0"/>
               <a:t>RegistrationType</a:t>
             </a:r>
-            <a:endParaRPr lang="en-US" sz="1600" dirty="0" smtClean="0"/>
-          </a:p>
-          <a:p>
-            <a:r>
-              <a:rPr lang="en-US" sz="1600" dirty="0" smtClean="0"/>
+            <a:endParaRPr lang="en-US" sz="1400" dirty="0" smtClean="0"/>
+          </a:p>
+          <a:p>
+            <a:r>
+              <a:rPr lang="en-US" sz="1400" dirty="0" smtClean="0"/>
               <a:t>Mobile</a:t>
             </a:r>
           </a:p>
           <a:p>
             <a:r>
-              <a:rPr lang="en-US" sz="1600" dirty="0" smtClean="0"/>
+              <a:rPr lang="en-US" sz="1400" dirty="0" smtClean="0"/>
               <a:t>Password</a:t>
             </a:r>
-          </a:p>
-          <a:p>
-            <a:r>
-              <a:rPr lang="en-US" sz="1600" dirty="0" err="1" smtClean="0"/>
+            <a:endParaRPr lang="en-US" sz="1400" dirty="0" smtClean="0"/>
+          </a:p>
+          <a:p>
+            <a:r>
+              <a:rPr lang="en-US" sz="1400" dirty="0" err="1" smtClean="0"/>
               <a:t>UserType</a:t>
             </a:r>
-            <a:endParaRPr lang="en-US" sz="1600" dirty="0" smtClean="0"/>
-          </a:p>
-          <a:p>
-            <a:r>
-              <a:rPr lang="en-US" sz="1600" dirty="0" smtClean="0"/>
-              <a:t>Registration </a:t>
-            </a:r>
-            <a:r>
-              <a:rPr lang="en-US" sz="1600" dirty="0" smtClean="0"/>
-              <a:t>Date</a:t>
-            </a:r>
-          </a:p>
-          <a:p>
-            <a:r>
-              <a:rPr lang="en-US" sz="1600" dirty="0" err="1" smtClean="0"/>
+            <a:endParaRPr lang="en-US" sz="1400" dirty="0" smtClean="0"/>
+          </a:p>
+          <a:p>
+            <a:r>
+              <a:rPr lang="en-US" sz="1400" dirty="0" err="1" smtClean="0"/>
               <a:t>ProfilePic</a:t>
             </a:r>
-            <a:endParaRPr lang="en-US" sz="1600" dirty="0" smtClean="0"/>
-          </a:p>
-          <a:p>
-            <a:r>
-              <a:rPr lang="en-US" sz="1600" dirty="0" err="1" smtClean="0"/>
+            <a:endParaRPr lang="en-US" sz="1400" dirty="0" smtClean="0"/>
+          </a:p>
+          <a:p>
+            <a:r>
+              <a:rPr lang="en-US" sz="1400" dirty="0" err="1" smtClean="0"/>
               <a:t>isPaid</a:t>
             </a:r>
-            <a:endParaRPr lang="en-US" sz="1600" dirty="0" smtClean="0"/>
+            <a:endParaRPr lang="en-US" sz="1400" dirty="0" smtClean="0"/>
+          </a:p>
+          <a:p>
+            <a:r>
+              <a:rPr lang="en-US" sz="1400" dirty="0" err="1" smtClean="0"/>
+              <a:t>LastUpdate</a:t>
+            </a:r>
+            <a:endParaRPr lang="en-US" sz="1400" dirty="0" smtClean="0"/>
           </a:p>
         </p:txBody>
       </p:sp>
@@ -8915,8 +8915,8 @@
         </p:nvSpPr>
         <p:spPr>
           <a:xfrm>
-            <a:off x="6697711" y="1306736"/>
-            <a:ext cx="2057501" cy="2020967"/>
+            <a:off x="6788038" y="1572858"/>
+            <a:ext cx="2057501" cy="1776370"/>
           </a:xfrm>
           <a:prstGeom prst="rect">
             <a:avLst/>
@@ -8943,54 +8943,889 @@
           <a:lstStyle/>
           <a:p>
             <a:r>
-              <a:rPr lang="en-US" sz="1600" dirty="0" err="1" smtClean="0"/>
+              <a:rPr lang="en-US" sz="1400" dirty="0" err="1" smtClean="0"/>
+              <a:t>CalenderID</a:t>
+            </a:r>
+            <a:endParaRPr lang="en-US" sz="1400" dirty="0" smtClean="0"/>
+          </a:p>
+          <a:p>
+            <a:r>
+              <a:rPr lang="en-US" sz="1400" dirty="0" err="1" smtClean="0"/>
               <a:t>FKDrID</a:t>
             </a:r>
-            <a:endParaRPr lang="en-US" sz="1600" dirty="0" smtClean="0"/>
-          </a:p>
-          <a:p>
+            <a:endParaRPr lang="en-US" sz="1400" dirty="0" smtClean="0"/>
+          </a:p>
+          <a:p>
+            <a:r>
+              <a:rPr lang="en-US" sz="1400" dirty="0" smtClean="0"/>
+              <a:t>Date</a:t>
+            </a:r>
+          </a:p>
+          <a:p>
+            <a:r>
+              <a:rPr lang="en-US" sz="1400" dirty="0" err="1" smtClean="0"/>
+              <a:t>Availablity</a:t>
+            </a:r>
+            <a:endParaRPr lang="en-US" sz="1400" dirty="0" smtClean="0"/>
+          </a:p>
+          <a:p>
+            <a:r>
+              <a:rPr lang="en-US" sz="1400" dirty="0" err="1" smtClean="0"/>
+              <a:t>AvailableLocation</a:t>
+            </a:r>
+            <a:endParaRPr lang="en-GB" sz="1400" dirty="0"/>
+          </a:p>
+          <a:p>
+            <a:r>
+              <a:rPr lang="en-US" sz="1400" dirty="0" err="1" smtClean="0"/>
+              <a:t>NewPQueueSize</a:t>
+            </a:r>
+            <a:endParaRPr lang="en-US" sz="1400" dirty="0" smtClean="0"/>
+          </a:p>
+          <a:p>
+            <a:r>
+              <a:rPr lang="en-US" sz="1400" dirty="0" err="1" smtClean="0"/>
+              <a:t>OldPQueueSize</a:t>
+            </a:r>
+            <a:endParaRPr lang="en-US" sz="1400" dirty="0" smtClean="0"/>
+          </a:p>
+          <a:p>
+            <a:r>
+              <a:rPr lang="en-US" sz="1400" dirty="0" err="1" smtClean="0"/>
+              <a:t>LastUpdate</a:t>
+            </a:r>
+            <a:endParaRPr lang="en-US" sz="1400" dirty="0" smtClean="0"/>
+          </a:p>
+        </p:txBody>
+      </p:sp>
+      <p:sp>
+        <p:nvSpPr>
+          <p:cNvPr id="3" name="Rectangle 2"/>
+          <p:cNvSpPr/>
+          <p:nvPr/>
+        </p:nvSpPr>
+        <p:spPr>
+          <a:xfrm>
+            <a:off x="1436351" y="1306736"/>
+            <a:ext cx="2009056" cy="230764"/>
+          </a:xfrm>
+          <a:prstGeom prst="rect">
+            <a:avLst/>
+          </a:prstGeom>
+          <a:solidFill>
+            <a:schemeClr val="bg2">
+              <a:lumMod val="50000"/>
+            </a:schemeClr>
+          </a:solidFill>
+        </p:spPr>
+        <p:style>
+          <a:lnRef idx="2">
+            <a:schemeClr val="accent1">
+              <a:shade val="50000"/>
+            </a:schemeClr>
+          </a:lnRef>
+          <a:fillRef idx="1">
+            <a:schemeClr val="accent1"/>
+          </a:fillRef>
+          <a:effectRef idx="0">
+            <a:schemeClr val="accent1"/>
+          </a:effectRef>
+          <a:fontRef idx="minor">
+            <a:schemeClr val="lt1"/>
+          </a:fontRef>
+        </p:style>
+        <p:txBody>
+          <a:bodyPr rtlCol="0" anchor="ctr"/>
+          <a:lstStyle/>
+          <a:p>
+            <a:pPr algn="ctr"/>
             <a:r>
               <a:rPr lang="en-US" sz="1600" dirty="0" smtClean="0"/>
-              <a:t>Date</a:t>
-            </a:r>
-          </a:p>
-          <a:p>
-            <a:r>
-              <a:rPr lang="en-US" sz="1600" dirty="0" err="1" smtClean="0"/>
-              <a:t>Availablity</a:t>
-            </a:r>
-            <a:endParaRPr lang="en-US" sz="1600" dirty="0" smtClean="0"/>
-          </a:p>
-          <a:p>
-            <a:r>
-              <a:rPr lang="en-US" sz="1600" dirty="0" err="1" smtClean="0"/>
-              <a:t>AvailableLocation</a:t>
+              <a:t>REG_USER</a:t>
             </a:r>
             <a:endParaRPr lang="en-GB" sz="1600" dirty="0"/>
           </a:p>
-          <a:p>
-            <a:r>
-              <a:rPr lang="en-US" sz="1600" dirty="0" err="1" smtClean="0"/>
-              <a:t>NewPQueueSize</a:t>
-            </a:r>
-            <a:endParaRPr lang="en-US" sz="1600" dirty="0" smtClean="0"/>
-          </a:p>
-          <a:p>
-            <a:r>
-              <a:rPr lang="en-US" sz="1600" dirty="0" err="1" smtClean="0"/>
-              <a:t>OldPQueueSize</a:t>
-            </a:r>
-            <a:endParaRPr lang="en-US" sz="1600" dirty="0" smtClean="0"/>
-          </a:p>
-          <a:p>
-            <a:r>
-              <a:rPr lang="en-US" sz="1600" dirty="0" err="1" smtClean="0"/>
-              <a:t>LastUpdate</a:t>
-            </a:r>
-            <a:endParaRPr lang="en-US" sz="1600" dirty="0" smtClean="0"/>
-          </a:p>
-        </p:txBody>
-      </p:sp>
+        </p:txBody>
+      </p:sp>
+      <p:sp>
+        <p:nvSpPr>
+          <p:cNvPr id="15" name="Rectangle 14"/>
+          <p:cNvSpPr/>
+          <p:nvPr/>
+        </p:nvSpPr>
+        <p:spPr>
+          <a:xfrm>
+            <a:off x="4113639" y="1306736"/>
+            <a:ext cx="2057681" cy="238728"/>
+          </a:xfrm>
+          <a:prstGeom prst="rect">
+            <a:avLst/>
+          </a:prstGeom>
+          <a:solidFill>
+            <a:schemeClr val="bg2">
+              <a:lumMod val="50000"/>
+            </a:schemeClr>
+          </a:solidFill>
+        </p:spPr>
+        <p:style>
+          <a:lnRef idx="2">
+            <a:schemeClr val="accent1">
+              <a:shade val="50000"/>
+            </a:schemeClr>
+          </a:lnRef>
+          <a:fillRef idx="1">
+            <a:schemeClr val="accent1"/>
+          </a:fillRef>
+          <a:effectRef idx="0">
+            <a:schemeClr val="accent1"/>
+          </a:effectRef>
+          <a:fontRef idx="minor">
+            <a:schemeClr val="lt1"/>
+          </a:fontRef>
+        </p:style>
+        <p:txBody>
+          <a:bodyPr rtlCol="0" anchor="ctr"/>
+          <a:lstStyle/>
+          <a:p>
+            <a:pPr algn="ctr"/>
+            <a:r>
+              <a:rPr lang="en-US" sz="1600" dirty="0"/>
+              <a:t>DOCTOR</a:t>
+            </a:r>
+            <a:endParaRPr lang="en-GB" sz="1600" dirty="0"/>
+          </a:p>
+        </p:txBody>
+      </p:sp>
+      <p:sp>
+        <p:nvSpPr>
+          <p:cNvPr id="16" name="Rectangle 15"/>
+          <p:cNvSpPr/>
+          <p:nvPr/>
+        </p:nvSpPr>
+        <p:spPr>
+          <a:xfrm>
+            <a:off x="1436351" y="3779770"/>
+            <a:ext cx="2009056" cy="251990"/>
+          </a:xfrm>
+          <a:prstGeom prst="rect">
+            <a:avLst/>
+          </a:prstGeom>
+          <a:solidFill>
+            <a:schemeClr val="bg2">
+              <a:lumMod val="50000"/>
+            </a:schemeClr>
+          </a:solidFill>
+        </p:spPr>
+        <p:style>
+          <a:lnRef idx="2">
+            <a:schemeClr val="accent1">
+              <a:shade val="50000"/>
+            </a:schemeClr>
+          </a:lnRef>
+          <a:fillRef idx="1">
+            <a:schemeClr val="accent1"/>
+          </a:fillRef>
+          <a:effectRef idx="0">
+            <a:schemeClr val="accent1"/>
+          </a:effectRef>
+          <a:fontRef idx="minor">
+            <a:schemeClr val="lt1"/>
+          </a:fontRef>
+        </p:style>
+        <p:txBody>
+          <a:bodyPr rtlCol="0" anchor="ctr"/>
+          <a:lstStyle/>
+          <a:p>
+            <a:pPr algn="ctr"/>
+            <a:r>
+              <a:rPr lang="en-US" sz="1600" dirty="0" smtClean="0"/>
+              <a:t>USER</a:t>
+            </a:r>
+            <a:endParaRPr lang="en-GB" sz="1600" dirty="0"/>
+          </a:p>
+        </p:txBody>
+      </p:sp>
+      <p:sp>
+        <p:nvSpPr>
+          <p:cNvPr id="17" name="Rectangle 16"/>
+          <p:cNvSpPr/>
+          <p:nvPr/>
+        </p:nvSpPr>
+        <p:spPr>
+          <a:xfrm>
+            <a:off x="6788037" y="1325585"/>
+            <a:ext cx="2057501" cy="247273"/>
+          </a:xfrm>
+          <a:prstGeom prst="rect">
+            <a:avLst/>
+          </a:prstGeom>
+          <a:solidFill>
+            <a:schemeClr val="bg2">
+              <a:lumMod val="50000"/>
+            </a:schemeClr>
+          </a:solidFill>
+        </p:spPr>
+        <p:style>
+          <a:lnRef idx="2">
+            <a:schemeClr val="accent1">
+              <a:shade val="50000"/>
+            </a:schemeClr>
+          </a:lnRef>
+          <a:fillRef idx="1">
+            <a:schemeClr val="accent1"/>
+          </a:fillRef>
+          <a:effectRef idx="0">
+            <a:schemeClr val="accent1"/>
+          </a:effectRef>
+          <a:fontRef idx="minor">
+            <a:schemeClr val="lt1"/>
+          </a:fontRef>
+        </p:style>
+        <p:txBody>
+          <a:bodyPr rtlCol="0" anchor="ctr"/>
+          <a:lstStyle/>
+          <a:p>
+            <a:pPr algn="ctr"/>
+            <a:r>
+              <a:rPr lang="en-US" sz="1600" dirty="0"/>
+              <a:t>DR_CALENDER</a:t>
+            </a:r>
+            <a:endParaRPr lang="en-GB" sz="1600" dirty="0"/>
+          </a:p>
+        </p:txBody>
+      </p:sp>
+      <p:sp>
+        <p:nvSpPr>
+          <p:cNvPr id="18" name="Rectangle 17"/>
+          <p:cNvSpPr/>
+          <p:nvPr/>
+        </p:nvSpPr>
+        <p:spPr>
+          <a:xfrm>
+            <a:off x="6786777" y="3797271"/>
+            <a:ext cx="2046849" cy="251990"/>
+          </a:xfrm>
+          <a:prstGeom prst="rect">
+            <a:avLst/>
+          </a:prstGeom>
+          <a:solidFill>
+            <a:schemeClr val="bg2">
+              <a:lumMod val="50000"/>
+            </a:schemeClr>
+          </a:solidFill>
+        </p:spPr>
+        <p:style>
+          <a:lnRef idx="2">
+            <a:schemeClr val="accent1">
+              <a:shade val="50000"/>
+            </a:schemeClr>
+          </a:lnRef>
+          <a:fillRef idx="1">
+            <a:schemeClr val="accent1"/>
+          </a:fillRef>
+          <a:effectRef idx="0">
+            <a:schemeClr val="accent1"/>
+          </a:effectRef>
+          <a:fontRef idx="minor">
+            <a:schemeClr val="lt1"/>
+          </a:fontRef>
+        </p:style>
+        <p:txBody>
+          <a:bodyPr rtlCol="0" anchor="ctr"/>
+          <a:lstStyle/>
+          <a:p>
+            <a:pPr algn="ctr"/>
+            <a:r>
+              <a:rPr lang="en-US" sz="1600" dirty="0"/>
+              <a:t>APPOINTMENT</a:t>
+            </a:r>
+            <a:endParaRPr lang="en-GB" sz="1600" dirty="0"/>
+          </a:p>
+        </p:txBody>
+      </p:sp>
+      <p:sp>
+        <p:nvSpPr>
+          <p:cNvPr id="19" name="Rectangle 18"/>
+          <p:cNvSpPr/>
+          <p:nvPr/>
+        </p:nvSpPr>
+        <p:spPr>
+          <a:xfrm>
+            <a:off x="4113639" y="5609401"/>
+            <a:ext cx="2046850" cy="235436"/>
+          </a:xfrm>
+          <a:prstGeom prst="rect">
+            <a:avLst/>
+          </a:prstGeom>
+          <a:solidFill>
+            <a:schemeClr val="bg2">
+              <a:lumMod val="50000"/>
+            </a:schemeClr>
+          </a:solidFill>
+        </p:spPr>
+        <p:style>
+          <a:lnRef idx="2">
+            <a:schemeClr val="accent1">
+              <a:shade val="50000"/>
+            </a:schemeClr>
+          </a:lnRef>
+          <a:fillRef idx="1">
+            <a:schemeClr val="accent1"/>
+          </a:fillRef>
+          <a:effectRef idx="0">
+            <a:schemeClr val="accent1"/>
+          </a:effectRef>
+          <a:fontRef idx="minor">
+            <a:schemeClr val="lt1"/>
+          </a:fontRef>
+        </p:style>
+        <p:txBody>
+          <a:bodyPr rtlCol="0" anchor="ctr"/>
+          <a:lstStyle/>
+          <a:p>
+            <a:pPr algn="ctr"/>
+            <a:r>
+              <a:rPr lang="en-US" sz="1600" dirty="0"/>
+              <a:t>COMPONDER</a:t>
+            </a:r>
+            <a:endParaRPr lang="en-GB" sz="1600" dirty="0"/>
+          </a:p>
+        </p:txBody>
+      </p:sp>
+      <p:sp>
+        <p:nvSpPr>
+          <p:cNvPr id="20" name="Rectangle 19"/>
+          <p:cNvSpPr/>
+          <p:nvPr/>
+        </p:nvSpPr>
+        <p:spPr>
+          <a:xfrm>
+            <a:off x="9417618" y="1306736"/>
+            <a:ext cx="2152358" cy="296214"/>
+          </a:xfrm>
+          <a:prstGeom prst="rect">
+            <a:avLst/>
+          </a:prstGeom>
+          <a:solidFill>
+            <a:schemeClr val="bg2">
+              <a:lumMod val="50000"/>
+            </a:schemeClr>
+          </a:solidFill>
+        </p:spPr>
+        <p:style>
+          <a:lnRef idx="2">
+            <a:schemeClr val="accent1">
+              <a:shade val="50000"/>
+            </a:schemeClr>
+          </a:lnRef>
+          <a:fillRef idx="1">
+            <a:schemeClr val="accent1"/>
+          </a:fillRef>
+          <a:effectRef idx="0">
+            <a:schemeClr val="accent1"/>
+          </a:effectRef>
+          <a:fontRef idx="minor">
+            <a:schemeClr val="lt1"/>
+          </a:fontRef>
+        </p:style>
+        <p:txBody>
+          <a:bodyPr rtlCol="0" anchor="ctr"/>
+          <a:lstStyle/>
+          <a:p>
+            <a:pPr algn="ctr"/>
+            <a:r>
+              <a:rPr lang="en-US" sz="1600" dirty="0"/>
+              <a:t>DR_DEGREE</a:t>
+            </a:r>
+            <a:endParaRPr lang="en-GB" sz="1600" dirty="0"/>
+          </a:p>
+        </p:txBody>
+      </p:sp>
+      <p:sp>
+        <p:nvSpPr>
+          <p:cNvPr id="21" name="Rectangle 20"/>
+          <p:cNvSpPr/>
+          <p:nvPr/>
+        </p:nvSpPr>
+        <p:spPr>
+          <a:xfrm>
+            <a:off x="9417618" y="3975733"/>
+            <a:ext cx="2152358" cy="244698"/>
+          </a:xfrm>
+          <a:prstGeom prst="rect">
+            <a:avLst/>
+          </a:prstGeom>
+          <a:solidFill>
+            <a:schemeClr val="bg2">
+              <a:lumMod val="50000"/>
+            </a:schemeClr>
+          </a:solidFill>
+        </p:spPr>
+        <p:style>
+          <a:lnRef idx="2">
+            <a:schemeClr val="accent1">
+              <a:shade val="50000"/>
+            </a:schemeClr>
+          </a:lnRef>
+          <a:fillRef idx="1">
+            <a:schemeClr val="accent1"/>
+          </a:fillRef>
+          <a:effectRef idx="0">
+            <a:schemeClr val="accent1"/>
+          </a:effectRef>
+          <a:fontRef idx="minor">
+            <a:schemeClr val="lt1"/>
+          </a:fontRef>
+        </p:style>
+        <p:txBody>
+          <a:bodyPr rtlCol="0" anchor="ctr"/>
+          <a:lstStyle/>
+          <a:p>
+            <a:pPr algn="ctr"/>
+            <a:r>
+              <a:rPr lang="en-US" sz="1600" dirty="0"/>
+              <a:t>PATIENT_INFO</a:t>
+            </a:r>
+            <a:endParaRPr lang="en-GB" sz="1600" dirty="0"/>
+          </a:p>
+        </p:txBody>
+      </p:sp>
+      <p:sp>
+        <p:nvSpPr>
+          <p:cNvPr id="22" name="Rectangle 21"/>
+          <p:cNvSpPr/>
+          <p:nvPr/>
+        </p:nvSpPr>
+        <p:spPr>
+          <a:xfrm>
+            <a:off x="4113639" y="4360889"/>
+            <a:ext cx="2046850" cy="891020"/>
+          </a:xfrm>
+          <a:prstGeom prst="rect">
+            <a:avLst/>
+          </a:prstGeom>
+        </p:spPr>
+        <p:style>
+          <a:lnRef idx="2">
+            <a:schemeClr val="accent1">
+              <a:shade val="50000"/>
+            </a:schemeClr>
+          </a:lnRef>
+          <a:fillRef idx="1">
+            <a:schemeClr val="accent1"/>
+          </a:fillRef>
+          <a:effectRef idx="0">
+            <a:schemeClr val="accent1"/>
+          </a:effectRef>
+          <a:fontRef idx="minor">
+            <a:schemeClr val="lt1"/>
+          </a:fontRef>
+        </p:style>
+        <p:txBody>
+          <a:bodyPr rtlCol="0" anchor="ctr"/>
+          <a:lstStyle/>
+          <a:p>
+            <a:r>
+              <a:rPr lang="en-US" sz="1400" dirty="0" err="1" smtClean="0"/>
+              <a:t>PatientId</a:t>
+            </a:r>
+            <a:endParaRPr lang="en-US" sz="1400" dirty="0" smtClean="0"/>
+          </a:p>
+          <a:p>
+            <a:r>
+              <a:rPr lang="en-US" sz="1400" dirty="0" err="1" smtClean="0"/>
+              <a:t>FKUserID</a:t>
+            </a:r>
+            <a:endParaRPr lang="en-GB" sz="1400" dirty="0"/>
+          </a:p>
+          <a:p>
+            <a:r>
+              <a:rPr lang="en-US" sz="1400" dirty="0" err="1" smtClean="0"/>
+              <a:t>FKParentPatientId</a:t>
+            </a:r>
+            <a:endParaRPr lang="en-US" sz="1400" dirty="0" smtClean="0"/>
+          </a:p>
+        </p:txBody>
+      </p:sp>
+      <p:sp>
+        <p:nvSpPr>
+          <p:cNvPr id="23" name="Rectangle 22"/>
+          <p:cNvSpPr/>
+          <p:nvPr/>
+        </p:nvSpPr>
+        <p:spPr>
+          <a:xfrm>
+            <a:off x="4113639" y="4129743"/>
+            <a:ext cx="2046850" cy="235436"/>
+          </a:xfrm>
+          <a:prstGeom prst="rect">
+            <a:avLst/>
+          </a:prstGeom>
+          <a:solidFill>
+            <a:schemeClr val="bg2">
+              <a:lumMod val="50000"/>
+            </a:schemeClr>
+          </a:solidFill>
+        </p:spPr>
+        <p:style>
+          <a:lnRef idx="2">
+            <a:schemeClr val="accent1">
+              <a:shade val="50000"/>
+            </a:schemeClr>
+          </a:lnRef>
+          <a:fillRef idx="1">
+            <a:schemeClr val="accent1"/>
+          </a:fillRef>
+          <a:effectRef idx="0">
+            <a:schemeClr val="accent1"/>
+          </a:effectRef>
+          <a:fontRef idx="minor">
+            <a:schemeClr val="lt1"/>
+          </a:fontRef>
+        </p:style>
+        <p:txBody>
+          <a:bodyPr rtlCol="0" anchor="ctr"/>
+          <a:lstStyle/>
+          <a:p>
+            <a:pPr algn="ctr"/>
+            <a:r>
+              <a:rPr lang="en-US" sz="1600" dirty="0" smtClean="0"/>
+              <a:t>PATIENT</a:t>
+            </a:r>
+            <a:endParaRPr lang="en-GB" sz="1600" dirty="0"/>
+          </a:p>
+        </p:txBody>
+      </p:sp>
+      <p:cxnSp>
+        <p:nvCxnSpPr>
+          <p:cNvPr id="5" name="Elbow Connector 4"/>
+          <p:cNvCxnSpPr>
+            <a:stCxn id="8" idx="1"/>
+            <a:endCxn id="7" idx="3"/>
+          </p:cNvCxnSpPr>
+          <p:nvPr/>
+        </p:nvCxnSpPr>
+        <p:spPr>
+          <a:xfrm rot="10800000" flipV="1">
+            <a:off x="3445408" y="2658636"/>
+            <a:ext cx="668413" cy="2723028"/>
+          </a:xfrm>
+          <a:prstGeom prst="bentConnector3">
+            <a:avLst/>
+          </a:prstGeom>
+          <a:ln>
+            <a:tailEnd type="triangle"/>
+          </a:ln>
+        </p:spPr>
+        <p:style>
+          <a:lnRef idx="1">
+            <a:schemeClr val="accent1"/>
+          </a:lnRef>
+          <a:fillRef idx="0">
+            <a:schemeClr val="accent1"/>
+          </a:fillRef>
+          <a:effectRef idx="0">
+            <a:schemeClr val="accent1"/>
+          </a:effectRef>
+          <a:fontRef idx="minor">
+            <a:schemeClr val="tx1"/>
+          </a:fontRef>
+        </p:style>
+      </p:cxnSp>
+      <p:cxnSp>
+        <p:nvCxnSpPr>
+          <p:cNvPr id="24" name="Elbow Connector 23"/>
+          <p:cNvCxnSpPr>
+            <a:stCxn id="9" idx="1"/>
+            <a:endCxn id="7" idx="3"/>
+          </p:cNvCxnSpPr>
+          <p:nvPr/>
+        </p:nvCxnSpPr>
+        <p:spPr>
+          <a:xfrm rot="10800000">
+            <a:off x="3445407" y="5381665"/>
+            <a:ext cx="668232" cy="904393"/>
+          </a:xfrm>
+          <a:prstGeom prst="bentConnector3">
+            <a:avLst/>
+          </a:prstGeom>
+          <a:ln>
+            <a:tailEnd type="triangle"/>
+          </a:ln>
+        </p:spPr>
+        <p:style>
+          <a:lnRef idx="1">
+            <a:schemeClr val="accent1"/>
+          </a:lnRef>
+          <a:fillRef idx="0">
+            <a:schemeClr val="accent1"/>
+          </a:fillRef>
+          <a:effectRef idx="0">
+            <a:schemeClr val="accent1"/>
+          </a:effectRef>
+          <a:fontRef idx="minor">
+            <a:schemeClr val="tx1"/>
+          </a:fontRef>
+        </p:style>
+      </p:cxnSp>
+      <p:cxnSp>
+        <p:nvCxnSpPr>
+          <p:cNvPr id="30" name="Elbow Connector 29"/>
+          <p:cNvCxnSpPr>
+            <a:stCxn id="22" idx="1"/>
+            <a:endCxn id="7" idx="3"/>
+          </p:cNvCxnSpPr>
+          <p:nvPr/>
+        </p:nvCxnSpPr>
+        <p:spPr>
+          <a:xfrm rot="10800000" flipV="1">
+            <a:off x="3445407" y="4806398"/>
+            <a:ext cx="668232" cy="575265"/>
+          </a:xfrm>
+          <a:prstGeom prst="bentConnector3">
+            <a:avLst/>
+          </a:prstGeom>
+          <a:ln>
+            <a:tailEnd type="triangle"/>
+          </a:ln>
+        </p:spPr>
+        <p:style>
+          <a:lnRef idx="1">
+            <a:schemeClr val="accent1"/>
+          </a:lnRef>
+          <a:fillRef idx="0">
+            <a:schemeClr val="accent1"/>
+          </a:fillRef>
+          <a:effectRef idx="0">
+            <a:schemeClr val="accent1"/>
+          </a:effectRef>
+          <a:fontRef idx="minor">
+            <a:schemeClr val="tx1"/>
+          </a:fontRef>
+        </p:style>
+      </p:cxnSp>
+      <p:cxnSp>
+        <p:nvCxnSpPr>
+          <p:cNvPr id="32" name="Straight Arrow Connector 31"/>
+          <p:cNvCxnSpPr>
+            <a:stCxn id="16" idx="0"/>
+            <a:endCxn id="10" idx="2"/>
+          </p:cNvCxnSpPr>
+          <p:nvPr/>
+        </p:nvCxnSpPr>
+        <p:spPr>
+          <a:xfrm flipV="1">
+            <a:off x="2440879" y="3397251"/>
+            <a:ext cx="0" cy="382519"/>
+          </a:xfrm>
+          <a:prstGeom prst="straightConnector1">
+            <a:avLst/>
+          </a:prstGeom>
+          <a:ln>
+            <a:tailEnd type="triangle"/>
+          </a:ln>
+        </p:spPr>
+        <p:style>
+          <a:lnRef idx="1">
+            <a:schemeClr val="accent1"/>
+          </a:lnRef>
+          <a:fillRef idx="0">
+            <a:schemeClr val="accent1"/>
+          </a:fillRef>
+          <a:effectRef idx="0">
+            <a:schemeClr val="accent1"/>
+          </a:effectRef>
+          <a:fontRef idx="minor">
+            <a:schemeClr val="tx1"/>
+          </a:fontRef>
+        </p:style>
+      </p:cxnSp>
+      <p:cxnSp>
+        <p:nvCxnSpPr>
+          <p:cNvPr id="34" name="Elbow Connector 33"/>
+          <p:cNvCxnSpPr>
+            <a:stCxn id="13" idx="1"/>
+            <a:endCxn id="8" idx="3"/>
+          </p:cNvCxnSpPr>
+          <p:nvPr/>
+        </p:nvCxnSpPr>
+        <p:spPr>
+          <a:xfrm rot="10800000">
+            <a:off x="6171322" y="2658637"/>
+            <a:ext cx="615457" cy="2729927"/>
+          </a:xfrm>
+          <a:prstGeom prst="bentConnector3">
+            <a:avLst>
+              <a:gd name="adj1" fmla="val 50000"/>
+            </a:avLst>
+          </a:prstGeom>
+          <a:ln>
+            <a:tailEnd type="triangle"/>
+          </a:ln>
+        </p:spPr>
+        <p:style>
+          <a:lnRef idx="1">
+            <a:schemeClr val="accent1"/>
+          </a:lnRef>
+          <a:fillRef idx="0">
+            <a:schemeClr val="accent1"/>
+          </a:fillRef>
+          <a:effectRef idx="0">
+            <a:schemeClr val="accent1"/>
+          </a:effectRef>
+          <a:fontRef idx="minor">
+            <a:schemeClr val="tx1"/>
+          </a:fontRef>
+        </p:style>
+      </p:cxnSp>
+      <p:cxnSp>
+        <p:nvCxnSpPr>
+          <p:cNvPr id="36" name="Elbow Connector 35"/>
+          <p:cNvCxnSpPr>
+            <a:stCxn id="13" idx="1"/>
+            <a:endCxn id="22" idx="3"/>
+          </p:cNvCxnSpPr>
+          <p:nvPr/>
+        </p:nvCxnSpPr>
+        <p:spPr>
+          <a:xfrm rot="10800000">
+            <a:off x="6160490" y="4806399"/>
+            <a:ext cx="626289" cy="582164"/>
+          </a:xfrm>
+          <a:prstGeom prst="bentConnector3">
+            <a:avLst>
+              <a:gd name="adj1" fmla="val 50000"/>
+            </a:avLst>
+          </a:prstGeom>
+          <a:ln>
+            <a:tailEnd type="triangle"/>
+          </a:ln>
+        </p:spPr>
+        <p:style>
+          <a:lnRef idx="1">
+            <a:schemeClr val="accent1"/>
+          </a:lnRef>
+          <a:fillRef idx="0">
+            <a:schemeClr val="accent1"/>
+          </a:fillRef>
+          <a:effectRef idx="0">
+            <a:schemeClr val="accent1"/>
+          </a:effectRef>
+          <a:fontRef idx="minor">
+            <a:schemeClr val="tx1"/>
+          </a:fontRef>
+        </p:style>
+      </p:cxnSp>
+      <p:cxnSp>
+        <p:nvCxnSpPr>
+          <p:cNvPr id="47" name="Elbow Connector 46"/>
+          <p:cNvCxnSpPr/>
+          <p:nvPr/>
+        </p:nvCxnSpPr>
+        <p:spPr>
+          <a:xfrm rot="10800000">
+            <a:off x="6187051" y="3617135"/>
+            <a:ext cx="3246300" cy="2227077"/>
+          </a:xfrm>
+          <a:prstGeom prst="bentConnector3">
+            <a:avLst>
+              <a:gd name="adj1" fmla="val 9930"/>
+            </a:avLst>
+          </a:prstGeom>
+          <a:ln>
+            <a:tailEnd type="triangle"/>
+          </a:ln>
+        </p:spPr>
+        <p:style>
+          <a:lnRef idx="1">
+            <a:schemeClr val="accent1"/>
+          </a:lnRef>
+          <a:fillRef idx="0">
+            <a:schemeClr val="accent1"/>
+          </a:fillRef>
+          <a:effectRef idx="0">
+            <a:schemeClr val="accent1"/>
+          </a:effectRef>
+          <a:fontRef idx="minor">
+            <a:schemeClr val="tx1"/>
+          </a:fontRef>
+        </p:style>
+      </p:cxnSp>
+      <p:cxnSp>
+        <p:nvCxnSpPr>
+          <p:cNvPr id="51" name="Elbow Connector 50"/>
+          <p:cNvCxnSpPr>
+            <a:stCxn id="11" idx="2"/>
+            <a:endCxn id="8" idx="3"/>
+          </p:cNvCxnSpPr>
+          <p:nvPr/>
+        </p:nvCxnSpPr>
+        <p:spPr>
+          <a:xfrm rot="5400000" flipH="1">
+            <a:off x="8073540" y="756418"/>
+            <a:ext cx="518039" cy="4322477"/>
+          </a:xfrm>
+          <a:prstGeom prst="bentConnector4">
+            <a:avLst>
+              <a:gd name="adj1" fmla="val -56559"/>
+              <a:gd name="adj2" fmla="val 91053"/>
+            </a:avLst>
+          </a:prstGeom>
+          <a:ln>
+            <a:tailEnd type="triangle"/>
+          </a:ln>
+        </p:spPr>
+        <p:style>
+          <a:lnRef idx="1">
+            <a:schemeClr val="accent1"/>
+          </a:lnRef>
+          <a:fillRef idx="0">
+            <a:schemeClr val="accent1"/>
+          </a:fillRef>
+          <a:effectRef idx="0">
+            <a:schemeClr val="accent1"/>
+          </a:effectRef>
+          <a:fontRef idx="minor">
+            <a:schemeClr val="tx1"/>
+          </a:fontRef>
+        </p:style>
+      </p:cxnSp>
+      <p:cxnSp>
+        <p:nvCxnSpPr>
+          <p:cNvPr id="72" name="Straight Arrow Connector 71"/>
+          <p:cNvCxnSpPr>
+            <a:stCxn id="18" idx="0"/>
+            <a:endCxn id="14" idx="2"/>
+          </p:cNvCxnSpPr>
+          <p:nvPr/>
+        </p:nvCxnSpPr>
+        <p:spPr>
+          <a:xfrm flipV="1">
+            <a:off x="7810202" y="3349228"/>
+            <a:ext cx="6587" cy="448043"/>
+          </a:xfrm>
+          <a:prstGeom prst="straightConnector1">
+            <a:avLst/>
+          </a:prstGeom>
+          <a:ln>
+            <a:tailEnd type="triangle"/>
+          </a:ln>
+        </p:spPr>
+        <p:style>
+          <a:lnRef idx="1">
+            <a:schemeClr val="accent1"/>
+          </a:lnRef>
+          <a:fillRef idx="0">
+            <a:schemeClr val="accent1"/>
+          </a:fillRef>
+          <a:effectRef idx="0">
+            <a:schemeClr val="accent1"/>
+          </a:effectRef>
+          <a:fontRef idx="minor">
+            <a:schemeClr val="tx1"/>
+          </a:fontRef>
+        </p:style>
+      </p:cxnSp>
     </p:spTree>
     <p:extLst>
       <p:ext uri="{BB962C8B-B14F-4D97-AF65-F5344CB8AC3E}">
@@ -9012,6 +9847,190 @@
 </file>
 
 <file path=ppt/slides/slide4.xml><?xml version="1.0" encoding="utf-8"?>
+<p:sld xmlns:a="http://schemas.openxmlformats.org/drawingml/2006/main" xmlns:r="http://schemas.openxmlformats.org/officeDocument/2006/relationships" xmlns:p="http://schemas.openxmlformats.org/presentationml/2006/main">
+  <p:cSld>
+    <p:spTree>
+      <p:nvGrpSpPr>
+        <p:cNvPr id="1" name=""/>
+        <p:cNvGrpSpPr/>
+        <p:nvPr/>
+      </p:nvGrpSpPr>
+      <p:grpSpPr>
+        <a:xfrm>
+          <a:off x="0" y="0"/>
+          <a:ext cx="0" cy="0"/>
+          <a:chOff x="0" y="0"/>
+          <a:chExt cx="0" cy="0"/>
+        </a:xfrm>
+      </p:grpSpPr>
+      <p:sp>
+        <p:nvSpPr>
+          <p:cNvPr id="2" name="Title 1"/>
+          <p:cNvSpPr>
+            <a:spLocks noGrp="1"/>
+          </p:cNvSpPr>
+          <p:nvPr>
+            <p:ph type="title"/>
+          </p:nvPr>
+        </p:nvSpPr>
+        <p:spPr>
+          <a:xfrm>
+            <a:off x="1588373" y="688504"/>
+            <a:ext cx="8911687" cy="560746"/>
+          </a:xfrm>
+        </p:spPr>
+        <p:txBody>
+          <a:bodyPr>
+            <a:normAutofit fontScale="90000"/>
+          </a:bodyPr>
+          <a:lstStyle/>
+          <a:p>
+            <a:r>
+              <a:rPr lang="en-US" dirty="0" smtClean="0"/>
+              <a:t>Descriptions</a:t>
+            </a:r>
+            <a:endParaRPr lang="en-GB" dirty="0"/>
+          </a:p>
+        </p:txBody>
+      </p:sp>
+      <p:sp>
+        <p:nvSpPr>
+          <p:cNvPr id="3" name="Content Placeholder 2"/>
+          <p:cNvSpPr>
+            <a:spLocks noGrp="1"/>
+          </p:cNvSpPr>
+          <p:nvPr>
+            <p:ph idx="1"/>
+          </p:nvPr>
+        </p:nvSpPr>
+        <p:spPr>
+          <a:xfrm>
+            <a:off x="1588373" y="1455313"/>
+            <a:ext cx="8915400" cy="4236968"/>
+          </a:xfrm>
+        </p:spPr>
+        <p:txBody>
+          <a:bodyPr>
+            <a:normAutofit fontScale="92500" lnSpcReduction="20000"/>
+          </a:bodyPr>
+          <a:lstStyle/>
+          <a:p>
+            <a:r>
+              <a:rPr lang="en-US" dirty="0" smtClean="0"/>
+              <a:t>All user may not be a register user (Dependent on a user who is already registered)</a:t>
+            </a:r>
+          </a:p>
+          <a:p>
+            <a:r>
+              <a:rPr lang="en-US" dirty="0" smtClean="0"/>
+              <a:t>All patient/Doctor/</a:t>
+            </a:r>
+            <a:r>
+              <a:rPr lang="en-US" dirty="0" err="1" smtClean="0"/>
+              <a:t>Componder</a:t>
+            </a:r>
+            <a:r>
+              <a:rPr lang="en-US" dirty="0" smtClean="0"/>
+              <a:t> will be a user</a:t>
+            </a:r>
+          </a:p>
+          <a:p>
+            <a:r>
+              <a:rPr lang="en-US" dirty="0" smtClean="0"/>
+              <a:t> Dependent patient will have parent patient ID will be populated, in case of null he is the parent patient</a:t>
+            </a:r>
+          </a:p>
+          <a:p>
+            <a:r>
+              <a:rPr lang="en-US" dirty="0" smtClean="0"/>
+              <a:t>Appointment will be booked on the basis of </a:t>
+            </a:r>
+            <a:r>
+              <a:rPr lang="en-US" dirty="0" err="1" smtClean="0"/>
+              <a:t>Dr</a:t>
+            </a:r>
+            <a:r>
+              <a:rPr lang="en-US" dirty="0" smtClean="0"/>
+              <a:t> availability and queue size</a:t>
+            </a:r>
+          </a:p>
+          <a:p>
+            <a:r>
+              <a:rPr lang="en-US" dirty="0" err="1" smtClean="0"/>
+              <a:t>Componder</a:t>
+            </a:r>
+            <a:r>
+              <a:rPr lang="en-US" dirty="0" smtClean="0"/>
+              <a:t> will have capability to add offline patient to the queue</a:t>
+            </a:r>
+          </a:p>
+          <a:p>
+            <a:r>
+              <a:rPr lang="en-US" dirty="0" err="1" smtClean="0"/>
+              <a:t>Dr</a:t>
+            </a:r>
+            <a:r>
+              <a:rPr lang="en-US" dirty="0" smtClean="0"/>
+              <a:t> and Patient will have different view of App so that functionality can be managed. </a:t>
+            </a:r>
+          </a:p>
+          <a:p>
+            <a:r>
+              <a:rPr lang="en-US" dirty="0" smtClean="0"/>
+              <a:t>Dr. Can search patient by his mobile number and get old report including dependent.</a:t>
+            </a:r>
+          </a:p>
+          <a:p>
+            <a:r>
+              <a:rPr lang="en-US" dirty="0" smtClean="0"/>
+              <a:t>All dependent may have same mobile number which must be populated in other contact number</a:t>
+            </a:r>
+          </a:p>
+          <a:p>
+            <a:r>
+              <a:rPr lang="en-US" dirty="0" err="1" smtClean="0"/>
+              <a:t>OtherContact</a:t>
+            </a:r>
+            <a:r>
+              <a:rPr lang="en-US" dirty="0" smtClean="0"/>
+              <a:t> number will be same as mobile number in case of registered user. </a:t>
+            </a:r>
+          </a:p>
+          <a:p>
+            <a:pPr marL="0" indent="0">
+              <a:buNone/>
+            </a:pPr>
+            <a:endParaRPr lang="en-US" dirty="0" smtClean="0"/>
+          </a:p>
+          <a:p>
+            <a:endParaRPr lang="en-US" sz="1400" dirty="0" smtClean="0"/>
+          </a:p>
+          <a:p>
+            <a:endParaRPr lang="en-US" dirty="0" smtClean="0"/>
+          </a:p>
+        </p:txBody>
+      </p:sp>
+    </p:spTree>
+    <p:extLst>
+      <p:ext uri="{BB962C8B-B14F-4D97-AF65-F5344CB8AC3E}">
+        <p14:creationId xmlns:p14="http://schemas.microsoft.com/office/powerpoint/2010/main" val="209765772"/>
+      </p:ext>
+    </p:extLst>
+  </p:cSld>
+  <p:clrMapOvr>
+    <a:masterClrMapping/>
+  </p:clrMapOvr>
+  <p:timing>
+    <p:tnLst>
+      <p:par>
+        <p:cTn id="1" dur="indefinite" restart="never" nodeType="tmRoot"/>
+      </p:par>
+    </p:tnLst>
+  </p:timing>
+</p:sld>
+</file>
+
+<file path=ppt/slides/slide5.xml><?xml version="1.0" encoding="utf-8"?>
 <p:sld xmlns:a="http://schemas.openxmlformats.org/drawingml/2006/main" xmlns:r="http://schemas.openxmlformats.org/officeDocument/2006/relationships" xmlns:p="http://schemas.openxmlformats.org/presentationml/2006/main">
   <p:cSld>
     <p:spTree>
